--- a/DST-OFF-draft_MINENERGO.pptx
+++ b/DST-OFF-draft_MINENERGO.pptx
@@ -7,8 +7,8 @@
   <p:sldIdLst>
     <p:sldId id="256" r:id="rId2"/>
     <p:sldId id="257" r:id="rId3"/>
-    <p:sldId id="265" r:id="rId4"/>
-    <p:sldId id="266" r:id="rId5"/>
+    <p:sldId id="266" r:id="rId4"/>
+    <p:sldId id="265" r:id="rId5"/>
     <p:sldId id="258" r:id="rId6"/>
     <p:sldId id="259" r:id="rId7"/>
     <p:sldId id="261" r:id="rId8"/>
@@ -6745,9 +6745,16 @@
             <p:ph type="subTitle" idx="1"/>
           </p:nvPr>
         </p:nvSpPr>
-        <p:spPr/>
-        <p:txBody>
-          <a:bodyPr/>
+        <p:spPr>
+          <a:xfrm>
+            <a:off x="1154955" y="4777380"/>
+            <a:ext cx="8825658" cy="1318620"/>
+          </a:xfrm>
+        </p:spPr>
+        <p:txBody>
+          <a:bodyPr>
+            <a:normAutofit/>
+          </a:bodyPr>
           <a:lstStyle/>
           <a:p>
             <a:r>
@@ -6758,6 +6765,21 @@
               <a:rPr lang="en-US" dirty="0"/>
               <a:t>DST-OFF</a:t>
             </a:r>
+            <a:endParaRPr lang="ru-RU" dirty="0"/>
+          </a:p>
+          <a:p>
+            <a:r>
+              <a:rPr lang="ru-RU" dirty="0"/>
+              <a:t>Цифровой прорыв — 2020. ФИНАЛ </a:t>
+            </a:r>
+          </a:p>
+          <a:p>
+            <a:r>
+              <a:rPr lang="ru-RU" dirty="0"/>
+              <a:t>Кейс Минэнерго</a:t>
+            </a:r>
+          </a:p>
+          <a:p>
             <a:endParaRPr lang="ru-RU" dirty="0"/>
           </a:p>
         </p:txBody>
@@ -6784,8 +6806,8 @@
         </p:blipFill>
         <p:spPr>
           <a:xfrm>
-            <a:off x="8226370" y="4558013"/>
-            <a:ext cx="3648927" cy="1847269"/>
+            <a:off x="8136835" y="4691799"/>
+            <a:ext cx="3817975" cy="1932850"/>
           </a:xfrm>
           <a:prstGeom prst="rect">
             <a:avLst/>
@@ -6894,9 +6916,6 @@
             </a:r>
             <a:r>
               <a:rPr lang="en-US" dirty="0">
-                <a:solidFill>
-                  <a:schemeClr val="bg1"/>
-                </a:solidFill>
                 <a:hlinkClick r:id="rId2">
                   <a:extLst>
                     <a:ext uri="{A12FA001-AC4F-418D-AE19-62706E023703}">
@@ -6922,9 +6941,6 @@
             </a:r>
             <a:r>
               <a:rPr lang="en-US" dirty="0">
-                <a:solidFill>
-                  <a:schemeClr val="bg1"/>
-                </a:solidFill>
                 <a:hlinkClick r:id="rId3">
                   <a:extLst>
                     <a:ext uri="{A12FA001-AC4F-418D-AE19-62706E023703}">
@@ -6962,9 +6978,6 @@
             </a:r>
             <a:r>
               <a:rPr lang="en-US" dirty="0">
-                <a:solidFill>
-                  <a:schemeClr val="bg1"/>
-                </a:solidFill>
                 <a:hlinkClick r:id="rId4">
                   <a:extLst>
                     <a:ext uri="{A12FA001-AC4F-418D-AE19-62706E023703}">
@@ -7043,36 +7056,6 @@
           </a:p>
         </p:txBody>
       </p:sp>
-      <p:pic>
-        <p:nvPicPr>
-          <p:cNvPr id="10" name="Рисунок 9">
-            <a:extLst>
-              <a:ext uri="{FF2B5EF4-FFF2-40B4-BE49-F238E27FC236}">
-                <a16:creationId xmlns:a16="http://schemas.microsoft.com/office/drawing/2014/main" id="{CEA15F33-701F-8A42-9EC9-B05340A642E6}"/>
-              </a:ext>
-            </a:extLst>
-          </p:cNvPr>
-          <p:cNvPicPr>
-            <a:picLocks noChangeAspect="1"/>
-          </p:cNvPicPr>
-          <p:nvPr/>
-        </p:nvPicPr>
-        <p:blipFill>
-          <a:blip r:embed="rId2"/>
-          <a:stretch>
-            <a:fillRect/>
-          </a:stretch>
-        </p:blipFill>
-        <p:spPr>
-          <a:xfrm>
-            <a:off x="9681116" y="4356410"/>
-            <a:ext cx="2200507" cy="2200507"/>
-          </a:xfrm>
-          <a:prstGeom prst="rect">
-            <a:avLst/>
-          </a:prstGeom>
-        </p:spPr>
-      </p:pic>
       <p:sp>
         <p:nvSpPr>
           <p:cNvPr id="14" name="Текст 13">
@@ -7091,215 +7074,161 @@
         </p:nvSpPr>
         <p:spPr>
           <a:xfrm>
-            <a:off x="791737" y="2371017"/>
-            <a:ext cx="9500839" cy="4185899"/>
+            <a:off x="509160" y="1459069"/>
+            <a:ext cx="11461167" cy="5274240"/>
           </a:xfrm>
         </p:spPr>
         <p:txBody>
           <a:bodyPr/>
           <a:lstStyle/>
           <a:p>
-            <a:pPr marL="457200" indent="-457200">
-              <a:buFont typeface="Arial" panose="020B0604020202020204" pitchFamily="34" charset="0"/>
-              <a:buChar char="•"/>
+            <a:pPr marL="514350" indent="-514350">
+              <a:buFont typeface="+mj-lt"/>
+              <a:buAutoNum type="arabicPeriod"/>
             </a:pPr>
             <a:r>
-              <a:rPr lang="en-US" u="sng" dirty="0">
-                <a:solidFill>
-                  <a:schemeClr val="bg1"/>
-                </a:solidFill>
-                <a:hlinkClick r:id="rId3">
-                  <a:extLst>
-                    <a:ext uri="{A12FA001-AC4F-418D-AE19-62706E023703}">
-                      <ahyp:hlinkClr xmlns:ahyp="http://schemas.microsoft.com/office/drawing/2018/hyperlinkcolor" val="tx"/>
-                    </a:ext>
-                  </a:extLst>
-                </a:hlinkClick>
-              </a:rPr>
-              <a:t>https://minenergo.gov.ru/activity/statistic</a:t>
-            </a:r>
-            <a:endParaRPr lang="ru-RU" u="sng" dirty="0">
-              <a:solidFill>
-                <a:schemeClr val="bg1"/>
-              </a:solidFill>
-            </a:endParaRPr>
-          </a:p>
-          <a:p>
-            <a:pPr marL="457200" indent="-457200">
-              <a:buFont typeface="Arial" panose="020B0604020202020204" pitchFamily="34" charset="0"/>
-              <a:buChar char="•"/>
+              <a:rPr lang="ru-RU" b="1" dirty="0"/>
+              <a:t>СО ЕЭС | Генерация и потребление </a:t>
+            </a:r>
+            <a:r>
+              <a:rPr lang="ru-RU" dirty="0"/>
+              <a:t>- </a:t>
+            </a:r>
+            <a:r>
+              <a:rPr lang="en-US" dirty="0"/>
+              <a:t>https://</a:t>
+            </a:r>
+            <a:r>
+              <a:rPr lang="en-US" dirty="0" err="1"/>
+              <a:t>br.so-ups.ru</a:t>
+            </a:r>
+            <a:r>
+              <a:rPr lang="en-US" dirty="0"/>
+              <a:t>/BR/</a:t>
+            </a:r>
+            <a:r>
+              <a:rPr lang="en-US" dirty="0" err="1"/>
+              <a:t>GenConsum</a:t>
+            </a:r>
+            <a:endParaRPr lang="en-US" dirty="0"/>
+          </a:p>
+          <a:p>
+            <a:pPr marL="514350" indent="-514350">
+              <a:buFont typeface="+mj-lt"/>
+              <a:buAutoNum type="arabicPeriod"/>
             </a:pPr>
             <a:r>
-              <a:rPr lang="en-US" u="sng" dirty="0">
-                <a:solidFill>
-                  <a:schemeClr val="bg1"/>
-                </a:solidFill>
-                <a:hlinkClick r:id="rId4">
-                  <a:extLst>
-                    <a:ext uri="{A12FA001-AC4F-418D-AE19-62706E023703}">
-                      <ahyp:hlinkClr xmlns:ahyp="http://schemas.microsoft.com/office/drawing/2018/hyperlinkcolor" val="tx"/>
-                    </a:ext>
-                  </a:extLst>
-                </a:hlinkClick>
-              </a:rPr>
-              <a:t>http://data.gov.ru/</a:t>
-            </a:r>
-            <a:endParaRPr lang="ru-RU" u="sng" dirty="0">
-              <a:solidFill>
-                <a:schemeClr val="bg1"/>
-              </a:solidFill>
-            </a:endParaRPr>
-          </a:p>
-          <a:p>
-            <a:pPr marL="457200" indent="-457200">
-              <a:buFont typeface="Arial" panose="020B0604020202020204" pitchFamily="34" charset="0"/>
-              <a:buChar char="•"/>
+              <a:rPr lang="ru-RU" b="1" dirty="0"/>
+              <a:t>СО ЕЭС | Температура в ЕЭС России - </a:t>
+            </a:r>
+            <a:r>
+              <a:rPr lang="en-US" dirty="0"/>
+              <a:t>https://so-</a:t>
+            </a:r>
+            <a:r>
+              <a:rPr lang="en-US" dirty="0" err="1"/>
+              <a:t>ups.ru</a:t>
+            </a:r>
+            <a:r>
+              <a:rPr lang="en-US" dirty="0"/>
+              <a:t>/</a:t>
+            </a:r>
+            <a:r>
+              <a:rPr lang="en-US" dirty="0" err="1"/>
+              <a:t>index.php?id</a:t>
+            </a:r>
+            <a:r>
+              <a:rPr lang="en-US" dirty="0"/>
+              <a:t>=</a:t>
+            </a:r>
+            <a:r>
+              <a:rPr lang="en-US" dirty="0" err="1"/>
+              <a:t>ees_temperature</a:t>
+            </a:r>
+            <a:endParaRPr lang="en-US" dirty="0"/>
+          </a:p>
+          <a:p>
+            <a:pPr marL="514350" indent="-514350">
+              <a:buFont typeface="+mj-lt"/>
+              <a:buAutoNum type="arabicPeriod"/>
             </a:pPr>
             <a:r>
-              <a:rPr lang="en-US" u="sng" dirty="0">
-                <a:solidFill>
-                  <a:schemeClr val="bg1"/>
-                </a:solidFill>
-                <a:hlinkClick r:id="rId5">
-                  <a:extLst>
-                    <a:ext uri="{A12FA001-AC4F-418D-AE19-62706E023703}">
-                      <ahyp:hlinkClr xmlns:ahyp="http://schemas.microsoft.com/office/drawing/2018/hyperlinkcolor" val="tx"/>
-                    </a:ext>
-                  </a:extLst>
-                </a:hlinkClick>
-              </a:rPr>
-              <a:t>https://fedstat.ru/indicator/58653</a:t>
-            </a:r>
-            <a:endParaRPr lang="ru-RU" u="sng" dirty="0">
-              <a:solidFill>
-                <a:schemeClr val="bg1"/>
-              </a:solidFill>
-            </a:endParaRPr>
-          </a:p>
-          <a:p>
-            <a:pPr marL="457200" indent="-457200">
-              <a:buFont typeface="Arial" panose="020B0604020202020204" pitchFamily="34" charset="0"/>
-              <a:buChar char="•"/>
+              <a:rPr lang="ru-RU" b="1" dirty="0"/>
+              <a:t>Росстат | Информация для ведения мониторинга социально-экономического положения субъектов Российской Федерации - </a:t>
+            </a:r>
+            <a:r>
+              <a:rPr lang="en-US" dirty="0"/>
+              <a:t>https://</a:t>
+            </a:r>
+            <a:r>
+              <a:rPr lang="en-US" dirty="0" err="1"/>
+              <a:t>rosstat.gov.ru</a:t>
+            </a:r>
+            <a:r>
+              <a:rPr lang="en-US" dirty="0"/>
+              <a:t>/folder/11109/document/13259</a:t>
+            </a:r>
+          </a:p>
+          <a:p>
+            <a:pPr marL="514350" indent="-514350">
+              <a:buFont typeface="+mj-lt"/>
+              <a:buAutoNum type="arabicPeriod"/>
             </a:pPr>
             <a:r>
-              <a:rPr lang="en-US" u="sng" dirty="0">
-                <a:solidFill>
-                  <a:schemeClr val="bg1"/>
-                </a:solidFill>
-                <a:hlinkClick r:id="rId6">
-                  <a:extLst>
-                    <a:ext uri="{A12FA001-AC4F-418D-AE19-62706E023703}">
-                      <ahyp:hlinkClr xmlns:ahyp="http://schemas.microsoft.com/office/drawing/2018/hyperlinkcolor" val="tx"/>
-                    </a:ext>
-                  </a:extLst>
-                </a:hlinkClick>
-              </a:rPr>
-              <a:t>https://rosstat.gov.ru/scripts/db_inet2/passport/table.aspx?opt=93630444201820192020</a:t>
-            </a:r>
-            <a:endParaRPr lang="ru-RU" u="sng" dirty="0">
-              <a:solidFill>
-                <a:schemeClr val="bg1"/>
-              </a:solidFill>
-            </a:endParaRPr>
-          </a:p>
-          <a:p>
-            <a:pPr marL="457200" indent="-457200">
-              <a:buFont typeface="Arial" panose="020B0604020202020204" pitchFamily="34" charset="0"/>
-              <a:buChar char="•"/>
+              <a:rPr lang="ru-RU" b="1" dirty="0"/>
+              <a:t>Росстат | Краткосрочные экономические показатели Российской Федерации - </a:t>
+            </a:r>
+            <a:r>
+              <a:rPr lang="en-US" dirty="0"/>
+              <a:t>https://</a:t>
+            </a:r>
+            <a:r>
+              <a:rPr lang="en-US" dirty="0" err="1"/>
+              <a:t>rosstat.gov.ru</a:t>
+            </a:r>
+            <a:r>
+              <a:rPr lang="en-US" dirty="0"/>
+              <a:t>/compendium/document/50802</a:t>
+            </a:r>
+          </a:p>
+          <a:p>
+            <a:pPr marL="514350" indent="-514350">
+              <a:buFont typeface="+mj-lt"/>
+              <a:buAutoNum type="arabicPeriod"/>
             </a:pPr>
             <a:r>
-              <a:rPr lang="en-US" u="sng" dirty="0">
-                <a:solidFill>
-                  <a:schemeClr val="bg1"/>
-                </a:solidFill>
-              </a:rPr>
-              <a:t>https://rosstat.gov.ru/storage/mediabank/munst.html</a:t>
-            </a:r>
-          </a:p>
-          <a:p>
-            <a:pPr marL="457200" indent="-457200">
-              <a:buFont typeface="Arial" panose="020B0604020202020204" pitchFamily="34" charset="0"/>
-              <a:buChar char="•"/>
-            </a:pPr>
-            <a:r>
-              <a:rPr lang="en-US" u="sng" dirty="0">
-                <a:solidFill>
-                  <a:schemeClr val="bg1"/>
-                </a:solidFill>
-                <a:hlinkClick r:id="rId7">
-                  <a:extLst>
-                    <a:ext uri="{A12FA001-AC4F-418D-AE19-62706E023703}">
-                      <ahyp:hlinkClr xmlns:ahyp="http://schemas.microsoft.com/office/drawing/2018/hyperlinkcolor" val="tx"/>
-                    </a:ext>
-                  </a:extLst>
-                </a:hlinkClick>
-              </a:rPr>
-              <a:t>https://rosstat.gov.ru/statistic</a:t>
-            </a:r>
-            <a:endParaRPr lang="en-US" u="sng" dirty="0">
-              <a:solidFill>
-                <a:schemeClr val="bg1"/>
-              </a:solidFill>
-            </a:endParaRPr>
-          </a:p>
-          <a:p>
-            <a:pPr marL="457200" indent="-457200">
-              <a:buFont typeface="Arial" panose="020B0604020202020204" pitchFamily="34" charset="0"/>
-              <a:buChar char="•"/>
-            </a:pPr>
-            <a:r>
-              <a:rPr lang="en-US" u="sng" dirty="0">
-                <a:solidFill>
-                  <a:schemeClr val="bg1"/>
-                </a:solidFill>
-                <a:hlinkClick r:id="rId8">
-                  <a:extLst>
-                    <a:ext uri="{A12FA001-AC4F-418D-AE19-62706E023703}">
-                      <ahyp:hlinkClr xmlns:ahyp="http://schemas.microsoft.com/office/drawing/2018/hyperlinkcolor" val="tx"/>
-                    </a:ext>
-                  </a:extLst>
-                </a:hlinkClick>
-              </a:rPr>
-              <a:t>https://showdata.gks.ru/finder/</a:t>
-            </a:r>
-            <a:endParaRPr lang="en-US" u="sng" dirty="0">
-              <a:solidFill>
-                <a:schemeClr val="bg1"/>
-              </a:solidFill>
-            </a:endParaRPr>
-          </a:p>
-          <a:p>
-            <a:pPr marL="457200" indent="-457200">
-              <a:buFont typeface="Arial" panose="020B0604020202020204" pitchFamily="34" charset="0"/>
-              <a:buChar char="•"/>
-            </a:pPr>
-            <a:r>
-              <a:rPr lang="en-US" u="sng" dirty="0">
-                <a:solidFill>
-                  <a:schemeClr val="bg1"/>
-                </a:solidFill>
-                <a:hlinkClick r:id="rId9">
-                  <a:extLst>
-                    <a:ext uri="{A12FA001-AC4F-418D-AE19-62706E023703}">
-                      <ahyp:hlinkClr xmlns:ahyp="http://schemas.microsoft.com/office/drawing/2018/hyperlinkcolor" val="tx"/>
-                    </a:ext>
-                  </a:extLst>
-                </a:hlinkClick>
-              </a:rPr>
-              <a:t>https://knoema.ru/</a:t>
-            </a:r>
-            <a:br>
-              <a:rPr lang="en-US" u="sng" dirty="0">
-                <a:solidFill>
-                  <a:schemeClr val="bg1"/>
-                </a:solidFill>
-              </a:rPr>
-            </a:br>
-            <a:endParaRPr lang="en-US" dirty="0">
-              <a:solidFill>
-                <a:schemeClr val="bg1"/>
-              </a:solidFill>
-            </a:endParaRPr>
+              <a:rPr lang="ru-RU" b="1" dirty="0" err="1"/>
+              <a:t>СберИндекс</a:t>
+            </a:r>
+            <a:r>
+              <a:rPr lang="ru-RU" b="1" dirty="0"/>
+              <a:t> | Индекс потребительской активности - </a:t>
+            </a:r>
+            <a:r>
+              <a:rPr lang="en-US" dirty="0"/>
+              <a:t>https://</a:t>
+            </a:r>
+            <a:r>
+              <a:rPr lang="en-US" dirty="0" err="1"/>
+              <a:t>www.sberindex.ru</a:t>
+            </a:r>
+            <a:r>
+              <a:rPr lang="en-US" dirty="0"/>
+              <a:t>/</a:t>
+            </a:r>
+            <a:r>
+              <a:rPr lang="en-US" dirty="0" err="1"/>
+              <a:t>ru</a:t>
+            </a:r>
+            <a:r>
+              <a:rPr lang="en-US" dirty="0"/>
+              <a:t>/dashboards/</a:t>
+            </a:r>
+            <a:r>
+              <a:rPr lang="en-US" dirty="0" err="1"/>
+              <a:t>indeks-potrebitelskoi-aktivnosti</a:t>
+            </a:r>
+            <a:endParaRPr lang="en-US" dirty="0"/>
           </a:p>
         </p:txBody>
       </p:sp>
@@ -7317,66 +7246,6 @@
 </file>
 
 <file path=ppt/slides/slide3.xml><?xml version="1.0" encoding="utf-8"?>
-<p:sld xmlns:a="http://schemas.openxmlformats.org/drawingml/2006/main" xmlns:r="http://schemas.openxmlformats.org/officeDocument/2006/relationships" xmlns:p="http://schemas.openxmlformats.org/presentationml/2006/main">
-  <p:cSld>
-    <p:spTree>
-      <p:nvGrpSpPr>
-        <p:cNvPr id="1" name=""/>
-        <p:cNvGrpSpPr/>
-        <p:nvPr/>
-      </p:nvGrpSpPr>
-      <p:grpSpPr>
-        <a:xfrm>
-          <a:off x="0" y="0"/>
-          <a:ext cx="0" cy="0"/>
-          <a:chOff x="0" y="0"/>
-          <a:chExt cx="0" cy="0"/>
-        </a:xfrm>
-      </p:grpSpPr>
-      <p:pic>
-        <p:nvPicPr>
-          <p:cNvPr id="8" name="Рисунок 7">
-            <a:extLst>
-              <a:ext uri="{FF2B5EF4-FFF2-40B4-BE49-F238E27FC236}">
-                <a16:creationId xmlns:a16="http://schemas.microsoft.com/office/drawing/2014/main" id="{DD54A3F3-621E-D64F-A14C-3B233D26A185}"/>
-              </a:ext>
-            </a:extLst>
-          </p:cNvPr>
-          <p:cNvPicPr>
-            <a:picLocks noChangeAspect="1"/>
-          </p:cNvPicPr>
-          <p:nvPr/>
-        </p:nvPicPr>
-        <p:blipFill>
-          <a:blip r:embed="rId2"/>
-          <a:stretch>
-            <a:fillRect/>
-          </a:stretch>
-        </p:blipFill>
-        <p:spPr>
-          <a:xfrm>
-            <a:off x="757044" y="247650"/>
-            <a:ext cx="9652000" cy="6362700"/>
-          </a:xfrm>
-          <a:prstGeom prst="rect">
-            <a:avLst/>
-          </a:prstGeom>
-        </p:spPr>
-      </p:pic>
-    </p:spTree>
-    <p:extLst>
-      <p:ext uri="{BB962C8B-B14F-4D97-AF65-F5344CB8AC3E}">
-        <p14:creationId xmlns:p14="http://schemas.microsoft.com/office/powerpoint/2010/main" val="3600521952"/>
-      </p:ext>
-    </p:extLst>
-  </p:cSld>
-  <p:clrMapOvr>
-    <a:masterClrMapping/>
-  </p:clrMapOvr>
-</p:sld>
-</file>
-
-<file path=ppt/slides/slide4.xml><?xml version="1.0" encoding="utf-8"?>
 <p:sld xmlns:a="http://schemas.openxmlformats.org/drawingml/2006/main" xmlns:r="http://schemas.openxmlformats.org/officeDocument/2006/relationships" xmlns:p="http://schemas.openxmlformats.org/presentationml/2006/main">
   <p:cSld>
     <p:spTree>
@@ -7544,7 +7413,7 @@
           <a:p>
             <a:r>
               <a:rPr lang="ru-RU" dirty="0"/>
-              <a:t>Индексы:</a:t>
+              <a:t>Источники информации:</a:t>
             </a:r>
           </a:p>
         </p:txBody>
@@ -7553,6 +7422,66 @@
     <p:extLst>
       <p:ext uri="{BB962C8B-B14F-4D97-AF65-F5344CB8AC3E}">
         <p14:creationId xmlns:p14="http://schemas.microsoft.com/office/powerpoint/2010/main" val="917964022"/>
+      </p:ext>
+    </p:extLst>
+  </p:cSld>
+  <p:clrMapOvr>
+    <a:masterClrMapping/>
+  </p:clrMapOvr>
+</p:sld>
+</file>
+
+<file path=ppt/slides/slide4.xml><?xml version="1.0" encoding="utf-8"?>
+<p:sld xmlns:a="http://schemas.openxmlformats.org/drawingml/2006/main" xmlns:r="http://schemas.openxmlformats.org/officeDocument/2006/relationships" xmlns:p="http://schemas.openxmlformats.org/presentationml/2006/main">
+  <p:cSld>
+    <p:spTree>
+      <p:nvGrpSpPr>
+        <p:cNvPr id="1" name=""/>
+        <p:cNvGrpSpPr/>
+        <p:nvPr/>
+      </p:nvGrpSpPr>
+      <p:grpSpPr>
+        <a:xfrm>
+          <a:off x="0" y="0"/>
+          <a:ext cx="0" cy="0"/>
+          <a:chOff x="0" y="0"/>
+          <a:chExt cx="0" cy="0"/>
+        </a:xfrm>
+      </p:grpSpPr>
+      <p:pic>
+        <p:nvPicPr>
+          <p:cNvPr id="3" name="Рисунок 2">
+            <a:extLst>
+              <a:ext uri="{FF2B5EF4-FFF2-40B4-BE49-F238E27FC236}">
+                <a16:creationId xmlns:a16="http://schemas.microsoft.com/office/drawing/2014/main" id="{601C449E-D8F0-0F4F-9CB8-96999C595A84}"/>
+              </a:ext>
+            </a:extLst>
+          </p:cNvPr>
+          <p:cNvPicPr>
+            <a:picLocks noChangeAspect="1"/>
+          </p:cNvPicPr>
+          <p:nvPr/>
+        </p:nvPicPr>
+        <p:blipFill>
+          <a:blip r:embed="rId2"/>
+          <a:stretch>
+            <a:fillRect/>
+          </a:stretch>
+        </p:blipFill>
+        <p:spPr>
+          <a:xfrm>
+            <a:off x="1002070" y="-23014"/>
+            <a:ext cx="8661546" cy="6881014"/>
+          </a:xfrm>
+          <a:prstGeom prst="rect">
+            <a:avLst/>
+          </a:prstGeom>
+        </p:spPr>
+      </p:pic>
+    </p:spTree>
+    <p:extLst>
+      <p:ext uri="{BB962C8B-B14F-4D97-AF65-F5344CB8AC3E}">
+        <p14:creationId xmlns:p14="http://schemas.microsoft.com/office/powerpoint/2010/main" val="3600521952"/>
       </p:ext>
     </p:extLst>
   </p:cSld>

--- a/DST-OFF-draft_MINENERGO.pptx
+++ b/DST-OFF-draft_MINENERGO.pptx
@@ -6,8 +6,8 @@
   </p:sldMasterIdLst>
   <p:sldIdLst>
     <p:sldId id="256" r:id="rId2"/>
-    <p:sldId id="257" r:id="rId3"/>
-    <p:sldId id="266" r:id="rId4"/>
+    <p:sldId id="266" r:id="rId3"/>
+    <p:sldId id="257" r:id="rId4"/>
     <p:sldId id="265" r:id="rId5"/>
     <p:sldId id="258" r:id="rId6"/>
     <p:sldId id="259" r:id="rId7"/>
@@ -6996,6 +6996,36 @@
           </a:p>
         </p:txBody>
       </p:sp>
+      <p:pic>
+        <p:nvPicPr>
+          <p:cNvPr id="5" name="Рисунок 4">
+            <a:extLst>
+              <a:ext uri="{FF2B5EF4-FFF2-40B4-BE49-F238E27FC236}">
+                <a16:creationId xmlns:a16="http://schemas.microsoft.com/office/drawing/2014/main" id="{BFCD4457-6448-354A-ABAA-0A8DD90DE6B3}"/>
+              </a:ext>
+            </a:extLst>
+          </p:cNvPr>
+          <p:cNvPicPr>
+            <a:picLocks noChangeAspect="1"/>
+          </p:cNvPicPr>
+          <p:nvPr/>
+        </p:nvPicPr>
+        <p:blipFill>
+          <a:blip r:embed="rId5"/>
+          <a:stretch>
+            <a:fillRect/>
+          </a:stretch>
+        </p:blipFill>
+        <p:spPr>
+          <a:xfrm>
+            <a:off x="8543925" y="4635499"/>
+            <a:ext cx="3409950" cy="1970193"/>
+          </a:xfrm>
+          <a:prstGeom prst="rect">
+            <a:avLst/>
+          </a:prstGeom>
+        </p:spPr>
+      </p:pic>
     </p:spTree>
     <p:extLst>
       <p:ext uri="{BB962C8B-B14F-4D97-AF65-F5344CB8AC3E}">
@@ -7031,7 +7061,7 @@
           <p:cNvPr id="2" name="Заголовок 1">
             <a:extLst>
               <a:ext uri="{FF2B5EF4-FFF2-40B4-BE49-F238E27FC236}">
-                <a16:creationId xmlns:a16="http://schemas.microsoft.com/office/drawing/2014/main" id="{9FBB3E15-C2D3-4013-B8CA-D4E3AA949337}"/>
+                <a16:creationId xmlns:a16="http://schemas.microsoft.com/office/drawing/2014/main" id="{40CC917F-0EE4-EC48-B467-F2B5D93099B2}"/>
               </a:ext>
             </a:extLst>
           </p:cNvPr>
@@ -7042,26 +7072,30 @@
             <p:ph type="title"/>
           </p:nvPr>
         </p:nvSpPr>
-        <p:spPr/>
-        <p:txBody>
-          <a:bodyPr>
-            <a:normAutofit/>
-          </a:bodyPr>
-          <a:lstStyle/>
-          <a:p>
-            <a:r>
-              <a:rPr lang="ru-RU" dirty="0"/>
-              <a:t>Источники информации:</a:t>
-            </a:r>
-          </a:p>
-        </p:txBody>
-      </p:sp>
-      <p:sp>
-        <p:nvSpPr>
-          <p:cNvPr id="14" name="Текст 13">
+        <p:spPr>
+          <a:xfrm>
+            <a:off x="985838" y="452718"/>
+            <a:ext cx="9064996" cy="1400530"/>
+          </a:xfrm>
+        </p:spPr>
+        <p:txBody>
+          <a:bodyPr/>
+          <a:lstStyle/>
+          <a:p>
+            <a:r>
+              <a:rPr lang="ru-RU" dirty="0" err="1"/>
+              <a:t>Тизер</a:t>
+            </a:r>
+            <a:endParaRPr lang="ru-RU" dirty="0"/>
+          </a:p>
+        </p:txBody>
+      </p:sp>
+      <p:sp>
+        <p:nvSpPr>
+          <p:cNvPr id="3" name="Объект 2">
             <a:extLst>
               <a:ext uri="{FF2B5EF4-FFF2-40B4-BE49-F238E27FC236}">
-                <a16:creationId xmlns:a16="http://schemas.microsoft.com/office/drawing/2014/main" id="{7A223569-3C44-5241-A6D1-ECC1682818C8}"/>
+                <a16:creationId xmlns:a16="http://schemas.microsoft.com/office/drawing/2014/main" id="{C89F4FA9-55F0-5E4A-BAD6-281AFACF23A5}"/>
               </a:ext>
             </a:extLst>
           </p:cNvPr>
@@ -7069,173 +7103,133 @@
             <a:spLocks noGrp="1"/>
           </p:cNvSpPr>
           <p:nvPr>
-            <p:ph type="body" idx="1"/>
+            <p:ph idx="1"/>
           </p:nvPr>
         </p:nvSpPr>
         <p:spPr>
           <a:xfrm>
-            <a:off x="509160" y="1459069"/>
-            <a:ext cx="11461167" cy="5274240"/>
+            <a:off x="645131" y="2052918"/>
+            <a:ext cx="11284931" cy="4195481"/>
           </a:xfrm>
         </p:spPr>
         <p:txBody>
-          <a:bodyPr/>
-          <a:lstStyle/>
-          <a:p>
-            <a:pPr marL="514350" indent="-514350">
-              <a:buFont typeface="+mj-lt"/>
-              <a:buAutoNum type="arabicPeriod"/>
+          <a:bodyPr>
+            <a:normAutofit lnSpcReduction="10000"/>
+          </a:bodyPr>
+          <a:lstStyle/>
+          <a:p>
+            <a:r>
+              <a:rPr lang="ru-RU" dirty="0"/>
+              <a:t>На основе оперативных ежедневных данных потребления электроэнергии Единой энергетической системы России и исторических данных можно онлайн прогнозировать показатели социально-экономического положения субъектов Российской Федерации. Также можно решать обратную задачу — от социально-экономических показателей рассчитывать необходимый объем электроэнергии.</a:t>
+            </a:r>
+          </a:p>
+          <a:p>
+            <a:pPr marL="0" indent="0">
+              <a:buNone/>
             </a:pPr>
-            <a:r>
-              <a:rPr lang="ru-RU" b="1" dirty="0"/>
-              <a:t>СО ЕЭС | Генерация и потребление </a:t>
-            </a:r>
-            <a:r>
+            <a:br>
               <a:rPr lang="ru-RU" dirty="0"/>
-              <a:t>- </a:t>
+            </a:br>
+            <a:endParaRPr lang="ru-RU" dirty="0"/>
+          </a:p>
+          <a:p>
+            <a:r>
+              <a:rPr lang="ru-RU" dirty="0"/>
+              <a:t>Решение реализовано на платформе </a:t>
             </a:r>
             <a:r>
               <a:rPr lang="en-US" dirty="0"/>
-              <a:t>https://</a:t>
+              <a:t>Jupiter. </a:t>
+            </a:r>
+            <a:r>
+              <a:rPr lang="ru-RU" dirty="0"/>
+              <a:t>Стек: </a:t>
+            </a:r>
+            <a:r>
+              <a:rPr lang="en-US" dirty="0"/>
+              <a:t>python, </a:t>
+            </a:r>
+            <a:endParaRPr lang="ru-RU" dirty="0"/>
+          </a:p>
+          <a:p>
+            <a:pPr marL="0" indent="0">
+              <a:buNone/>
+            </a:pPr>
+            <a:r>
+              <a:rPr lang="ru-RU" dirty="0"/>
+              <a:t>    </a:t>
+            </a:r>
+            <a:r>
+              <a:rPr lang="en-US" dirty="0"/>
+              <a:t>scikit-learn, </a:t>
             </a:r>
             <a:r>
               <a:rPr lang="en-US" dirty="0" err="1"/>
-              <a:t>br.so-ups.ru</a:t>
+              <a:t>PyMuPDF</a:t>
             </a:r>
             <a:r>
               <a:rPr lang="en-US" dirty="0"/>
-              <a:t>/BR/</a:t>
-            </a:r>
-            <a:r>
-              <a:rPr lang="en-US" dirty="0" err="1"/>
-              <a:t>GenConsum</a:t>
-            </a:r>
-            <a:endParaRPr lang="en-US" dirty="0"/>
-          </a:p>
-          <a:p>
-            <a:pPr marL="514350" indent="-514350">
-              <a:buFont typeface="+mj-lt"/>
-              <a:buAutoNum type="arabicPeriod"/>
+              <a:t>.</a:t>
+            </a:r>
+            <a:endParaRPr lang="ru-RU" dirty="0"/>
+          </a:p>
+          <a:p>
+            <a:pPr marL="0" indent="0">
+              <a:buNone/>
             </a:pPr>
-            <a:r>
-              <a:rPr lang="ru-RU" b="1" dirty="0"/>
-              <a:t>СО ЕЭС | Температура в ЕЭС России - </a:t>
-            </a:r>
-            <a:r>
-              <a:rPr lang="en-US" dirty="0"/>
-              <a:t>https://so-</a:t>
-            </a:r>
-            <a:r>
-              <a:rPr lang="en-US" dirty="0" err="1"/>
-              <a:t>ups.ru</a:t>
-            </a:r>
-            <a:r>
-              <a:rPr lang="en-US" dirty="0"/>
-              <a:t>/</a:t>
-            </a:r>
-            <a:r>
-              <a:rPr lang="en-US" dirty="0" err="1"/>
-              <a:t>index.php?id</a:t>
-            </a:r>
-            <a:r>
-              <a:rPr lang="en-US" dirty="0"/>
-              <a:t>=</a:t>
-            </a:r>
-            <a:r>
-              <a:rPr lang="en-US" dirty="0" err="1"/>
-              <a:t>ees_temperature</a:t>
-            </a:r>
-            <a:endParaRPr lang="en-US" dirty="0"/>
-          </a:p>
-          <a:p>
-            <a:pPr marL="514350" indent="-514350">
-              <a:buFont typeface="+mj-lt"/>
-              <a:buAutoNum type="arabicPeriod"/>
+            <a:endParaRPr lang="en-US" dirty="0"/>
+          </a:p>
+          <a:p>
+            <a:r>
+              <a:rPr lang="ru-RU" dirty="0"/>
+              <a:t>Проработан большой массив показателей, минимальное</a:t>
+            </a:r>
+          </a:p>
+          <a:p>
+            <a:pPr marL="0" indent="0">
+              <a:buNone/>
             </a:pPr>
             <a:r>
-              <a:rPr lang="ru-RU" b="1" dirty="0"/>
-              <a:t>Росстат | Информация для ведения мониторинга социально-экономического положения субъектов Российской Федерации - </a:t>
-            </a:r>
-            <a:r>
-              <a:rPr lang="en-US" dirty="0"/>
-              <a:t>https://</a:t>
-            </a:r>
-            <a:r>
-              <a:rPr lang="en-US" dirty="0" err="1"/>
-              <a:t>rosstat.gov.ru</a:t>
-            </a:r>
-            <a:r>
-              <a:rPr lang="en-US" dirty="0"/>
-              <a:t>/folder/11109/document/13259</a:t>
-            </a:r>
-          </a:p>
-          <a:p>
-            <a:pPr marL="514350" indent="-514350">
-              <a:buFont typeface="+mj-lt"/>
-              <a:buAutoNum type="arabicPeriod"/>
-            </a:pPr>
-            <a:r>
-              <a:rPr lang="ru-RU" b="1" dirty="0"/>
-              <a:t>Росстат | Краткосрочные экономические показатели Российской Федерации - </a:t>
-            </a:r>
-            <a:r>
-              <a:rPr lang="en-US" dirty="0"/>
-              <a:t>https://</a:t>
-            </a:r>
-            <a:r>
-              <a:rPr lang="en-US" dirty="0" err="1"/>
-              <a:t>rosstat.gov.ru</a:t>
-            </a:r>
-            <a:r>
-              <a:rPr lang="en-US" dirty="0"/>
-              <a:t>/compendium/document/50802</a:t>
-            </a:r>
-          </a:p>
-          <a:p>
-            <a:pPr marL="514350" indent="-514350">
-              <a:buFont typeface="+mj-lt"/>
-              <a:buAutoNum type="arabicPeriod"/>
-            </a:pPr>
-            <a:r>
-              <a:rPr lang="ru-RU" b="1" dirty="0" err="1"/>
-              <a:t>СберИндекс</a:t>
-            </a:r>
-            <a:r>
-              <a:rPr lang="ru-RU" b="1" dirty="0"/>
-              <a:t> | Индекс потребительской активности - </a:t>
-            </a:r>
-            <a:r>
-              <a:rPr lang="en-US" dirty="0"/>
-              <a:t>https://</a:t>
-            </a:r>
-            <a:r>
-              <a:rPr lang="en-US" dirty="0" err="1"/>
-              <a:t>www.sberindex.ru</a:t>
-            </a:r>
-            <a:r>
-              <a:rPr lang="en-US" dirty="0"/>
-              <a:t>/</a:t>
-            </a:r>
-            <a:r>
-              <a:rPr lang="en-US" dirty="0" err="1"/>
-              <a:t>ru</a:t>
-            </a:r>
-            <a:r>
-              <a:rPr lang="en-US" dirty="0"/>
-              <a:t>/dashboards/</a:t>
-            </a:r>
-            <a:r>
-              <a:rPr lang="en-US" dirty="0" err="1"/>
-              <a:t>indeks-potrebitelskoi-aktivnosti</a:t>
-            </a:r>
-            <a:endParaRPr lang="en-US" dirty="0"/>
-          </a:p>
-        </p:txBody>
-      </p:sp>
+              <a:rPr lang="ru-RU" dirty="0"/>
+              <a:t>     время для практического применения решения.</a:t>
+            </a:r>
+          </a:p>
+        </p:txBody>
+      </p:sp>
+      <p:pic>
+        <p:nvPicPr>
+          <p:cNvPr id="6" name="Рисунок 5">
+            <a:extLst>
+              <a:ext uri="{FF2B5EF4-FFF2-40B4-BE49-F238E27FC236}">
+                <a16:creationId xmlns:a16="http://schemas.microsoft.com/office/drawing/2014/main" id="{FA5B576E-0DCA-F840-8552-2362CE60B158}"/>
+              </a:ext>
+            </a:extLst>
+          </p:cNvPr>
+          <p:cNvPicPr>
+            <a:picLocks noChangeAspect="1"/>
+          </p:cNvPicPr>
+          <p:nvPr/>
+        </p:nvPicPr>
+        <p:blipFill>
+          <a:blip r:embed="rId2"/>
+          <a:stretch>
+            <a:fillRect/>
+          </a:stretch>
+        </p:blipFill>
+        <p:spPr>
+          <a:xfrm>
+            <a:off x="9383712" y="4026577"/>
+            <a:ext cx="2546350" cy="2557717"/>
+          </a:xfrm>
+          <a:prstGeom prst="rect">
+            <a:avLst/>
+          </a:prstGeom>
+        </p:spPr>
+      </p:pic>
     </p:spTree>
     <p:extLst>
       <p:ext uri="{BB962C8B-B14F-4D97-AF65-F5344CB8AC3E}">
-        <p14:creationId xmlns:p14="http://schemas.microsoft.com/office/powerpoint/2010/main" val="1432701784"/>
+        <p14:creationId xmlns:p14="http://schemas.microsoft.com/office/powerpoint/2010/main" val="628965037"/>
       </p:ext>
     </p:extLst>
   </p:cSld>
@@ -7262,166 +7256,506 @@
           <a:chExt cx="0" cy="0"/>
         </a:xfrm>
       </p:grpSpPr>
-      <p:pic>
-        <p:nvPicPr>
-          <p:cNvPr id="2" name="Рисунок 1">
+      <p:sp>
+        <p:nvSpPr>
+          <p:cNvPr id="2" name="Заголовок 1">
             <a:extLst>
               <a:ext uri="{FF2B5EF4-FFF2-40B4-BE49-F238E27FC236}">
-                <a16:creationId xmlns:a16="http://schemas.microsoft.com/office/drawing/2014/main" id="{D376689C-FD98-354E-AABC-FB558B4FE798}"/>
+                <a16:creationId xmlns:a16="http://schemas.microsoft.com/office/drawing/2014/main" id="{9FBB3E15-C2D3-4013-B8CA-D4E3AA949337}"/>
               </a:ext>
             </a:extLst>
           </p:cNvPr>
-          <p:cNvPicPr/>
-          <p:nvPr/>
-        </p:nvPicPr>
-        <p:blipFill>
-          <a:blip r:embed="rId2">
-            <a:extLst>
-              <a:ext uri="{28A0092B-C50C-407E-A947-70E740481C1C}">
-                <a14:useLocalDpi xmlns:a14="http://schemas.microsoft.com/office/drawing/2010/main" val="0"/>
-              </a:ext>
-            </a:extLst>
-          </a:blip>
-          <a:stretch>
-            <a:fillRect/>
-          </a:stretch>
-        </p:blipFill>
-        <p:spPr>
-          <a:xfrm>
-            <a:off x="557561" y="1231955"/>
-            <a:ext cx="4119561" cy="5391869"/>
-          </a:xfrm>
-          <a:prstGeom prst="rect">
-            <a:avLst/>
-          </a:prstGeom>
-          <a:solidFill>
-            <a:srgbClr val="FFFFFF">
-              <a:shade val="85000"/>
-            </a:srgbClr>
-          </a:solidFill>
-          <a:ln w="88900" cap="sq">
-            <a:solidFill>
-              <a:srgbClr val="FFFFFF"/>
-            </a:solidFill>
-            <a:miter lim="800000"/>
-          </a:ln>
-          <a:effectLst>
-            <a:outerShdw blurRad="55000" dist="18000" dir="5400000" algn="tl" rotWithShape="0">
-              <a:srgbClr val="000000">
-                <a:alpha val="40000"/>
-              </a:srgbClr>
-            </a:outerShdw>
-          </a:effectLst>
-          <a:scene3d>
-            <a:camera prst="orthographicFront"/>
-            <a:lightRig rig="twoPt" dir="t">
-              <a:rot lat="0" lon="0" rev="7200000"/>
-            </a:lightRig>
-          </a:scene3d>
-          <a:sp3d>
-            <a:bevelT w="25400" h="19050"/>
-            <a:contourClr>
-              <a:srgbClr val="FFFFFF"/>
-            </a:contourClr>
-          </a:sp3d>
-        </p:spPr>
-      </p:pic>
-      <p:pic>
-        <p:nvPicPr>
-          <p:cNvPr id="3" name="Рисунок 2">
+          <p:cNvSpPr>
+            <a:spLocks noGrp="1"/>
+          </p:cNvSpPr>
+          <p:nvPr>
+            <p:ph type="title"/>
+          </p:nvPr>
+        </p:nvSpPr>
+        <p:spPr/>
+        <p:txBody>
+          <a:bodyPr>
+            <a:normAutofit/>
+          </a:bodyPr>
+          <a:lstStyle/>
+          <a:p>
+            <a:r>
+              <a:rPr lang="ru-RU" dirty="0"/>
+              <a:t>Источники информации:</a:t>
+            </a:r>
+          </a:p>
+        </p:txBody>
+      </p:sp>
+      <p:sp>
+        <p:nvSpPr>
+          <p:cNvPr id="14" name="Текст 13">
             <a:extLst>
               <a:ext uri="{FF2B5EF4-FFF2-40B4-BE49-F238E27FC236}">
-                <a16:creationId xmlns:a16="http://schemas.microsoft.com/office/drawing/2014/main" id="{B5B59525-DE3B-CA42-B76C-A078D242D678}"/>
+                <a16:creationId xmlns:a16="http://schemas.microsoft.com/office/drawing/2014/main" id="{7A223569-3C44-5241-A6D1-ECC1682818C8}"/>
               </a:ext>
             </a:extLst>
           </p:cNvPr>
-          <p:cNvPicPr/>
-          <p:nvPr/>
-        </p:nvPicPr>
-        <p:blipFill>
-          <a:blip r:embed="rId3">
-            <a:extLst>
-              <a:ext uri="{28A0092B-C50C-407E-A947-70E740481C1C}">
-                <a14:useLocalDpi xmlns:a14="http://schemas.microsoft.com/office/drawing/2010/main" val="0"/>
-              </a:ext>
-            </a:extLst>
-          </a:blip>
-          <a:stretch>
-            <a:fillRect/>
-          </a:stretch>
-        </p:blipFill>
+          <p:cNvSpPr>
+            <a:spLocks noGrp="1"/>
+          </p:cNvSpPr>
+          <p:nvPr>
+            <p:ph type="body" idx="1"/>
+          </p:nvPr>
+        </p:nvSpPr>
         <p:spPr>
           <a:xfrm>
-            <a:off x="5348472" y="1231955"/>
-            <a:ext cx="4419996" cy="5391869"/>
+            <a:off x="509160" y="1459070"/>
+            <a:ext cx="11563778" cy="4998880"/>
           </a:xfrm>
-          <a:prstGeom prst="rect">
-            <a:avLst/>
-          </a:prstGeom>
-          <a:solidFill>
-            <a:srgbClr val="FFFFFF">
-              <a:shade val="85000"/>
-            </a:srgbClr>
-          </a:solidFill>
-          <a:ln w="88900" cap="sq">
-            <a:solidFill>
-              <a:srgbClr val="FFFFFF"/>
-            </a:solidFill>
-            <a:miter lim="800000"/>
-          </a:ln>
-          <a:effectLst>
-            <a:outerShdw blurRad="55000" dist="18000" dir="5400000" algn="tl" rotWithShape="0">
-              <a:srgbClr val="000000">
-                <a:alpha val="40000"/>
-              </a:srgbClr>
-            </a:outerShdw>
-          </a:effectLst>
-          <a:scene3d>
-            <a:camera prst="orthographicFront"/>
-            <a:lightRig rig="twoPt" dir="t">
-              <a:rot lat="0" lon="0" rev="7200000"/>
-            </a:lightRig>
-          </a:scene3d>
-          <a:sp3d>
-            <a:bevelT w="25400" h="19050"/>
-            <a:contourClr>
-              <a:srgbClr val="FFFFFF"/>
-            </a:contourClr>
-          </a:sp3d>
         </p:spPr>
-      </p:pic>
-      <p:sp>
-        <p:nvSpPr>
-          <p:cNvPr id="5" name="Заголовок 4">
-            <a:extLst>
-              <a:ext uri="{FF2B5EF4-FFF2-40B4-BE49-F238E27FC236}">
-                <a16:creationId xmlns:a16="http://schemas.microsoft.com/office/drawing/2014/main" id="{459470CC-F0A7-4546-A717-06B8B8B47AD0}"/>
-              </a:ext>
-            </a:extLst>
-          </p:cNvPr>
-          <p:cNvSpPr>
-            <a:spLocks noGrp="1"/>
-          </p:cNvSpPr>
-          <p:nvPr>
-            <p:ph type="title"/>
-          </p:nvPr>
-        </p:nvSpPr>
-        <p:spPr/>
         <p:txBody>
           <a:bodyPr/>
           <a:lstStyle/>
           <a:p>
-            <a:r>
-              <a:rPr lang="ru-RU" dirty="0"/>
-              <a:t>Источники информации:</a:t>
-            </a:r>
+            <a:pPr marL="514350" indent="-514350">
+              <a:buFont typeface="Arial" panose="020B0604020202020204" pitchFamily="34" charset="0"/>
+              <a:buChar char="•"/>
+            </a:pPr>
+            <a:r>
+              <a:rPr lang="ru-RU" b="1" dirty="0">
+                <a:solidFill>
+                  <a:schemeClr val="tx1">
+                    <a:lumMod val="95000"/>
+                  </a:schemeClr>
+                </a:solidFill>
+              </a:rPr>
+              <a:t>СО ЕЭС | Генерация и потребление </a:t>
+            </a:r>
+          </a:p>
+          <a:p>
+            <a:r>
+              <a:rPr lang="ru-RU" sz="1800" b="1" dirty="0">
+                <a:solidFill>
+                  <a:schemeClr val="tx1">
+                    <a:lumMod val="95000"/>
+                  </a:schemeClr>
+                </a:solidFill>
+              </a:rPr>
+              <a:t>	</a:t>
+            </a:r>
+            <a:r>
+              <a:rPr lang="ru-RU" sz="1800" dirty="0">
+                <a:solidFill>
+                  <a:schemeClr val="tx1">
+                    <a:lumMod val="95000"/>
+                  </a:schemeClr>
+                </a:solidFill>
+              </a:rPr>
+              <a:t>- </a:t>
+            </a:r>
+            <a:r>
+              <a:rPr lang="en-US" sz="1800" dirty="0">
+                <a:solidFill>
+                  <a:schemeClr val="tx1">
+                    <a:lumMod val="95000"/>
+                  </a:schemeClr>
+                </a:solidFill>
+              </a:rPr>
+              <a:t>https://</a:t>
+            </a:r>
+            <a:r>
+              <a:rPr lang="en-US" sz="1800" dirty="0" err="1">
+                <a:solidFill>
+                  <a:schemeClr val="tx1">
+                    <a:lumMod val="95000"/>
+                  </a:schemeClr>
+                </a:solidFill>
+              </a:rPr>
+              <a:t>br.so-ups.ru</a:t>
+            </a:r>
+            <a:r>
+              <a:rPr lang="en-US" sz="1800" dirty="0">
+                <a:solidFill>
+                  <a:schemeClr val="tx1">
+                    <a:lumMod val="95000"/>
+                  </a:schemeClr>
+                </a:solidFill>
+              </a:rPr>
+              <a:t>/BR/</a:t>
+            </a:r>
+            <a:r>
+              <a:rPr lang="en-US" sz="1800" dirty="0" err="1">
+                <a:solidFill>
+                  <a:schemeClr val="tx1">
+                    <a:lumMod val="95000"/>
+                  </a:schemeClr>
+                </a:solidFill>
+              </a:rPr>
+              <a:t>GenConsum</a:t>
+            </a:r>
+            <a:endParaRPr lang="en-US" sz="1800" dirty="0">
+              <a:solidFill>
+                <a:schemeClr val="tx1">
+                  <a:lumMod val="95000"/>
+                </a:schemeClr>
+              </a:solidFill>
+            </a:endParaRPr>
+          </a:p>
+          <a:p>
+            <a:pPr marL="514350" indent="-514350">
+              <a:buFont typeface="Arial" panose="020B0604020202020204" pitchFamily="34" charset="0"/>
+              <a:buChar char="•"/>
+            </a:pPr>
+            <a:r>
+              <a:rPr lang="ru-RU" b="1" dirty="0">
+                <a:solidFill>
+                  <a:schemeClr val="tx1">
+                    <a:lumMod val="95000"/>
+                  </a:schemeClr>
+                </a:solidFill>
+              </a:rPr>
+              <a:t>СО ЕЭС | Температура в ЕЭС России </a:t>
+            </a:r>
+          </a:p>
+          <a:p>
+            <a:r>
+              <a:rPr lang="ru-RU" sz="1800" b="1" dirty="0">
+                <a:solidFill>
+                  <a:schemeClr val="tx1">
+                    <a:lumMod val="95000"/>
+                  </a:schemeClr>
+                </a:solidFill>
+              </a:rPr>
+              <a:t>	</a:t>
+            </a:r>
+            <a:r>
+              <a:rPr lang="ru-RU" sz="1800" dirty="0">
+                <a:solidFill>
+                  <a:schemeClr val="tx1">
+                    <a:lumMod val="95000"/>
+                  </a:schemeClr>
+                </a:solidFill>
+              </a:rPr>
+              <a:t>-</a:t>
+            </a:r>
+            <a:r>
+              <a:rPr lang="ru-RU" sz="1800" b="1" dirty="0">
+                <a:solidFill>
+                  <a:schemeClr val="tx1">
+                    <a:lumMod val="95000"/>
+                  </a:schemeClr>
+                </a:solidFill>
+              </a:rPr>
+              <a:t> </a:t>
+            </a:r>
+            <a:r>
+              <a:rPr lang="en-US" sz="1800" dirty="0">
+                <a:solidFill>
+                  <a:schemeClr val="tx1">
+                    <a:lumMod val="95000"/>
+                  </a:schemeClr>
+                </a:solidFill>
+              </a:rPr>
+              <a:t>https://so-</a:t>
+            </a:r>
+            <a:r>
+              <a:rPr lang="en-US" sz="1800" dirty="0" err="1">
+                <a:solidFill>
+                  <a:schemeClr val="tx1">
+                    <a:lumMod val="95000"/>
+                  </a:schemeClr>
+                </a:solidFill>
+              </a:rPr>
+              <a:t>ups.ru</a:t>
+            </a:r>
+            <a:r>
+              <a:rPr lang="en-US" sz="1800" dirty="0">
+                <a:solidFill>
+                  <a:schemeClr val="tx1">
+                    <a:lumMod val="95000"/>
+                  </a:schemeClr>
+                </a:solidFill>
+              </a:rPr>
+              <a:t>/</a:t>
+            </a:r>
+            <a:r>
+              <a:rPr lang="en-US" sz="1800" dirty="0" err="1">
+                <a:solidFill>
+                  <a:schemeClr val="tx1">
+                    <a:lumMod val="95000"/>
+                  </a:schemeClr>
+                </a:solidFill>
+              </a:rPr>
+              <a:t>index.php?id</a:t>
+            </a:r>
+            <a:r>
+              <a:rPr lang="en-US" sz="1800" dirty="0">
+                <a:solidFill>
+                  <a:schemeClr val="tx1">
+                    <a:lumMod val="95000"/>
+                  </a:schemeClr>
+                </a:solidFill>
+              </a:rPr>
+              <a:t>=</a:t>
+            </a:r>
+            <a:r>
+              <a:rPr lang="en-US" sz="1800" dirty="0" err="1">
+                <a:solidFill>
+                  <a:schemeClr val="tx1">
+                    <a:lumMod val="95000"/>
+                  </a:schemeClr>
+                </a:solidFill>
+              </a:rPr>
+              <a:t>ees_temperature</a:t>
+            </a:r>
+            <a:endParaRPr lang="en-US" sz="1800" dirty="0">
+              <a:solidFill>
+                <a:schemeClr val="tx1">
+                  <a:lumMod val="95000"/>
+                </a:schemeClr>
+              </a:solidFill>
+            </a:endParaRPr>
+          </a:p>
+          <a:p>
+            <a:pPr marL="514350" indent="-514350">
+              <a:buFont typeface="Arial" panose="020B0604020202020204" pitchFamily="34" charset="0"/>
+              <a:buChar char="•"/>
+            </a:pPr>
+            <a:r>
+              <a:rPr lang="ru-RU" b="1" dirty="0">
+                <a:solidFill>
+                  <a:schemeClr val="tx1">
+                    <a:lumMod val="95000"/>
+                  </a:schemeClr>
+                </a:solidFill>
+              </a:rPr>
+              <a:t>Росстат | Информация для ведения мониторинга социально-экономического положения субъектов Российской Федерации </a:t>
+            </a:r>
+            <a:r>
+              <a:rPr lang="ru-RU" sz="1800" b="1" dirty="0">
+                <a:solidFill>
+                  <a:schemeClr val="tx1">
+                    <a:lumMod val="95000"/>
+                  </a:schemeClr>
+                </a:solidFill>
+              </a:rPr>
+              <a:t>- </a:t>
+            </a:r>
+            <a:r>
+              <a:rPr lang="en-US" sz="1800" dirty="0">
+                <a:solidFill>
+                  <a:schemeClr val="tx1">
+                    <a:lumMod val="95000"/>
+                  </a:schemeClr>
+                </a:solidFill>
+              </a:rPr>
+              <a:t>https://</a:t>
+            </a:r>
+            <a:r>
+              <a:rPr lang="en-US" sz="1800" dirty="0" err="1">
+                <a:solidFill>
+                  <a:schemeClr val="tx1">
+                    <a:lumMod val="95000"/>
+                  </a:schemeClr>
+                </a:solidFill>
+              </a:rPr>
+              <a:t>rosstat.gov.ru</a:t>
+            </a:r>
+            <a:r>
+              <a:rPr lang="en-US" sz="1800" dirty="0">
+                <a:solidFill>
+                  <a:schemeClr val="tx1">
+                    <a:lumMod val="95000"/>
+                  </a:schemeClr>
+                </a:solidFill>
+              </a:rPr>
+              <a:t>/folder/11109/document/13259</a:t>
+            </a:r>
+          </a:p>
+          <a:p>
+            <a:pPr marL="514350" indent="-514350">
+              <a:buFont typeface="Arial" panose="020B0604020202020204" pitchFamily="34" charset="0"/>
+              <a:buChar char="•"/>
+            </a:pPr>
+            <a:r>
+              <a:rPr lang="ru-RU" b="1" dirty="0">
+                <a:solidFill>
+                  <a:schemeClr val="tx1">
+                    <a:lumMod val="95000"/>
+                  </a:schemeClr>
+                </a:solidFill>
+              </a:rPr>
+              <a:t>Росстат | Краткосрочные экономические показатели Российской Федерации </a:t>
+            </a:r>
+          </a:p>
+          <a:p>
+            <a:r>
+              <a:rPr lang="ru-RU" b="1" dirty="0">
+                <a:solidFill>
+                  <a:schemeClr val="tx1">
+                    <a:lumMod val="95000"/>
+                  </a:schemeClr>
+                </a:solidFill>
+              </a:rPr>
+              <a:t>	</a:t>
+            </a:r>
+            <a:r>
+              <a:rPr lang="ru-RU" sz="1800" b="1" dirty="0">
+                <a:solidFill>
+                  <a:schemeClr val="tx1">
+                    <a:lumMod val="95000"/>
+                  </a:schemeClr>
+                </a:solidFill>
+              </a:rPr>
+              <a:t>- </a:t>
+            </a:r>
+            <a:r>
+              <a:rPr lang="en-US" sz="1800" dirty="0">
+                <a:solidFill>
+                  <a:schemeClr val="tx1">
+                    <a:lumMod val="95000"/>
+                  </a:schemeClr>
+                </a:solidFill>
+              </a:rPr>
+              <a:t>https://</a:t>
+            </a:r>
+            <a:r>
+              <a:rPr lang="en-US" sz="1800" dirty="0" err="1">
+                <a:solidFill>
+                  <a:schemeClr val="tx1">
+                    <a:lumMod val="95000"/>
+                  </a:schemeClr>
+                </a:solidFill>
+              </a:rPr>
+              <a:t>rosstat.gov.ru</a:t>
+            </a:r>
+            <a:r>
+              <a:rPr lang="en-US" sz="1800" dirty="0">
+                <a:solidFill>
+                  <a:schemeClr val="tx1">
+                    <a:lumMod val="95000"/>
+                  </a:schemeClr>
+                </a:solidFill>
+              </a:rPr>
+              <a:t>/compendium/document/50802</a:t>
+            </a:r>
+          </a:p>
+          <a:p>
+            <a:pPr marL="514350" indent="-514350">
+              <a:buFont typeface="Arial" panose="020B0604020202020204" pitchFamily="34" charset="0"/>
+              <a:buChar char="•"/>
+            </a:pPr>
+            <a:r>
+              <a:rPr lang="ru-RU" b="1" dirty="0" err="1">
+                <a:solidFill>
+                  <a:schemeClr val="tx1">
+                    <a:lumMod val="95000"/>
+                  </a:schemeClr>
+                </a:solidFill>
+              </a:rPr>
+              <a:t>СберИндекс</a:t>
+            </a:r>
+            <a:r>
+              <a:rPr lang="ru-RU" b="1" dirty="0">
+                <a:solidFill>
+                  <a:schemeClr val="tx1">
+                    <a:lumMod val="95000"/>
+                  </a:schemeClr>
+                </a:solidFill>
+              </a:rPr>
+              <a:t> | Индекс потребительской активности </a:t>
+            </a:r>
+          </a:p>
+          <a:p>
+            <a:r>
+              <a:rPr lang="ru-RU" b="1" dirty="0">
+                <a:solidFill>
+                  <a:schemeClr val="tx1">
+                    <a:lumMod val="95000"/>
+                  </a:schemeClr>
+                </a:solidFill>
+              </a:rPr>
+              <a:t>	</a:t>
+            </a:r>
+            <a:r>
+              <a:rPr lang="ru-RU" sz="1800" b="1" dirty="0">
+                <a:solidFill>
+                  <a:schemeClr val="tx1">
+                    <a:lumMod val="95000"/>
+                  </a:schemeClr>
+                </a:solidFill>
+              </a:rPr>
+              <a:t>- </a:t>
+            </a:r>
+            <a:r>
+              <a:rPr lang="en-US" sz="1800" dirty="0">
+                <a:solidFill>
+                  <a:schemeClr val="tx1">
+                    <a:lumMod val="95000"/>
+                  </a:schemeClr>
+                </a:solidFill>
+              </a:rPr>
+              <a:t>https://</a:t>
+            </a:r>
+            <a:r>
+              <a:rPr lang="en-US" sz="1800" dirty="0" err="1">
+                <a:solidFill>
+                  <a:schemeClr val="tx1">
+                    <a:lumMod val="95000"/>
+                  </a:schemeClr>
+                </a:solidFill>
+              </a:rPr>
+              <a:t>www.sberindex.ru</a:t>
+            </a:r>
+            <a:r>
+              <a:rPr lang="en-US" sz="1800" dirty="0">
+                <a:solidFill>
+                  <a:schemeClr val="tx1">
+                    <a:lumMod val="95000"/>
+                  </a:schemeClr>
+                </a:solidFill>
+              </a:rPr>
+              <a:t>/</a:t>
+            </a:r>
+            <a:r>
+              <a:rPr lang="en-US" sz="1800" dirty="0" err="1">
+                <a:solidFill>
+                  <a:schemeClr val="tx1">
+                    <a:lumMod val="95000"/>
+                  </a:schemeClr>
+                </a:solidFill>
+              </a:rPr>
+              <a:t>ru</a:t>
+            </a:r>
+            <a:r>
+              <a:rPr lang="en-US" sz="1800" dirty="0">
+                <a:solidFill>
+                  <a:schemeClr val="tx1">
+                    <a:lumMod val="95000"/>
+                  </a:schemeClr>
+                </a:solidFill>
+              </a:rPr>
+              <a:t>/dashboards/</a:t>
+            </a:r>
+            <a:r>
+              <a:rPr lang="en-US" sz="1800" dirty="0" err="1">
+                <a:solidFill>
+                  <a:schemeClr val="tx1">
+                    <a:lumMod val="95000"/>
+                  </a:schemeClr>
+                </a:solidFill>
+              </a:rPr>
+              <a:t>indeks-potrebitelskoi-aktivnosti</a:t>
+            </a:r>
+            <a:endParaRPr lang="en-US" sz="1800" dirty="0">
+              <a:solidFill>
+                <a:schemeClr val="tx1">
+                  <a:lumMod val="95000"/>
+                </a:schemeClr>
+              </a:solidFill>
+            </a:endParaRPr>
           </a:p>
         </p:txBody>
       </p:sp>
     </p:spTree>
     <p:extLst>
       <p:ext uri="{BB962C8B-B14F-4D97-AF65-F5344CB8AC3E}">
-        <p14:creationId xmlns:p14="http://schemas.microsoft.com/office/powerpoint/2010/main" val="917964022"/>
+        <p14:creationId xmlns:p14="http://schemas.microsoft.com/office/powerpoint/2010/main" val="1432701784"/>
       </p:ext>
     </p:extLst>
   </p:cSld>
@@ -7470,8 +7804,8 @@
         </p:blipFill>
         <p:spPr>
           <a:xfrm>
-            <a:off x="1002070" y="-23014"/>
-            <a:ext cx="8661546" cy="6881014"/>
+            <a:off x="1331157" y="265807"/>
+            <a:ext cx="8118145" cy="6449318"/>
           </a:xfrm>
           <a:prstGeom prst="rect">
             <a:avLst/>
@@ -7552,18 +7886,118 @@
             <p:ph sz="quarter" idx="13"/>
           </p:nvPr>
         </p:nvSpPr>
-        <p:spPr/>
+        <p:spPr>
+          <a:xfrm>
+            <a:off x="913774" y="2367092"/>
+            <a:ext cx="10363826" cy="3847971"/>
+          </a:xfrm>
+        </p:spPr>
         <p:txBody>
           <a:bodyPr>
-            <a:normAutofit/>
+            <a:normAutofit lnSpcReduction="10000"/>
           </a:bodyPr>
           <a:lstStyle/>
+          <a:p>
+            <a:pPr>
+              <a:buFont typeface="Arial" panose="020B0604020202020204" pitchFamily="34" charset="0"/>
+              <a:buChar char="•"/>
+            </a:pPr>
+            <a:r>
+              <a:rPr lang="ru-RU" sz="2400" dirty="0"/>
+              <a:t>индекс промышленного производства</a:t>
+            </a:r>
+            <a:endParaRPr lang="en-US" sz="2400" dirty="0"/>
+          </a:p>
+          <a:p>
+            <a:pPr>
+              <a:buFont typeface="Arial" panose="020B0604020202020204" pitchFamily="34" charset="0"/>
+              <a:buChar char="•"/>
+            </a:pPr>
+            <a:r>
+              <a:rPr lang="ru-RU" sz="2400" dirty="0"/>
+              <a:t>отгрузка товаров</a:t>
+            </a:r>
+            <a:endParaRPr lang="en-US" sz="2400" dirty="0"/>
+          </a:p>
+          <a:p>
+            <a:pPr>
+              <a:buFont typeface="Arial" panose="020B0604020202020204" pitchFamily="34" charset="0"/>
+              <a:buChar char="•"/>
+            </a:pPr>
+            <a:r>
+              <a:rPr lang="ru-RU" sz="2400" dirty="0"/>
+              <a:t>производство электроэнергии</a:t>
+            </a:r>
+            <a:endParaRPr lang="en-US" sz="2400" dirty="0"/>
+          </a:p>
+          <a:p>
+            <a:pPr>
+              <a:buFont typeface="Arial" panose="020B0604020202020204" pitchFamily="34" charset="0"/>
+              <a:buChar char="•"/>
+            </a:pPr>
+            <a:r>
+              <a:rPr lang="ru-RU" sz="2400" dirty="0"/>
+              <a:t>объем работ выполненных по ВЭД Строительство</a:t>
+            </a:r>
+            <a:endParaRPr lang="en-US" sz="2400" dirty="0"/>
+          </a:p>
+          <a:p>
+            <a:pPr>
+              <a:buFont typeface="Arial" panose="020B0604020202020204" pitchFamily="34" charset="0"/>
+              <a:buChar char="•"/>
+            </a:pPr>
+            <a:r>
+              <a:rPr lang="ru-RU" sz="2400" dirty="0"/>
+              <a:t>оборот розничной торговли</a:t>
+            </a:r>
+            <a:endParaRPr lang="en-US" sz="2400" dirty="0"/>
+          </a:p>
+          <a:p>
+            <a:pPr>
+              <a:buFont typeface="Arial" panose="020B0604020202020204" pitchFamily="34" charset="0"/>
+              <a:buChar char="•"/>
+            </a:pPr>
+            <a:r>
+              <a:rPr lang="ru-RU" sz="2400" dirty="0"/>
+              <a:t>цены на товары и услуги</a:t>
+            </a:r>
+            <a:endParaRPr lang="en-US" sz="2400" dirty="0"/>
+          </a:p>
+          <a:p>
+            <a:pPr>
+              <a:buFont typeface="Arial" panose="020B0604020202020204" pitchFamily="34" charset="0"/>
+              <a:buChar char="•"/>
+            </a:pPr>
+            <a:r>
+              <a:rPr lang="ru-RU" sz="2400" dirty="0"/>
+              <a:t>фиксированный набор</a:t>
+            </a:r>
+            <a:endParaRPr lang="en-US" sz="2400" dirty="0"/>
+          </a:p>
+          <a:p>
+            <a:pPr>
+              <a:buFont typeface="Arial" panose="020B0604020202020204" pitchFamily="34" charset="0"/>
+              <a:buChar char="•"/>
+            </a:pPr>
+            <a:r>
+              <a:rPr lang="ru-RU" sz="2400" dirty="0"/>
+              <a:t>среднемесячная заработная плата</a:t>
+            </a:r>
+            <a:endParaRPr lang="en-US" sz="2400" dirty="0"/>
+          </a:p>
+          <a:p>
+            <a:pPr>
+              <a:buFont typeface="Arial" panose="020B0604020202020204" pitchFamily="34" charset="0"/>
+              <a:buChar char="•"/>
+            </a:pPr>
+            <a:endParaRPr lang="ru-RU" sz="2400" dirty="0"/>
+          </a:p>
           <a:p>
             <a:pPr marL="457200" indent="-457200">
               <a:buFont typeface="+mj-lt"/>
               <a:buAutoNum type="arabicPeriod"/>
             </a:pPr>
-            <a:endParaRPr lang="ru-RU" sz="1800" dirty="0">
+            <a:endParaRPr lang="ru-RU" sz="2400" dirty="0">
               <a:solidFill>
                 <a:schemeClr val="tx1">
                   <a:lumMod val="65000"/>
@@ -7596,8 +8030,8 @@
         </p:blipFill>
         <p:spPr>
           <a:xfrm>
-            <a:off x="8862087" y="4418515"/>
-            <a:ext cx="3017677" cy="2102315"/>
+            <a:off x="8241559" y="3986213"/>
+            <a:ext cx="3638206" cy="2534617"/>
           </a:xfrm>
           <a:prstGeom prst="rect">
             <a:avLst/>
@@ -7686,8 +8120,8 @@
         </p:blipFill>
         <p:spPr>
           <a:xfrm>
-            <a:off x="8987882" y="4485696"/>
-            <a:ext cx="2913327" cy="2065204"/>
+            <a:off x="8504980" y="4143375"/>
+            <a:ext cx="3396230" cy="2407525"/>
           </a:xfrm>
           <a:prstGeom prst="rect">
             <a:avLst/>
@@ -7924,16 +8358,14 @@
           <a:lstStyle/>
           <a:p>
             <a:r>
-              <a:rPr lang="ru-RU" dirty="0">
-                <a:highlight>
-                  <a:srgbClr val="FF0000"/>
-                </a:highlight>
-              </a:rPr>
-              <a:t>НАДО ОТРАЗИТЬ: </a:t>
-            </a:r>
-            <a:r>
               <a:rPr lang="ru-RU" dirty="0"/>
-              <a:t>оптимизация деятельности ведомств и ремонтных работ, какие направления более востребованы для экономической эффективности (лучшие точки приложения усилий: новые мощности или где не надо этого), период планирования: месяц, год, 3 и 5 лет</a:t>
+              <a:t>оптимизация деятельности ведомств и ремонтных работ;</a:t>
+            </a:r>
+          </a:p>
+          <a:p>
+            <a:r>
+              <a:rPr lang="ru-RU" dirty="0"/>
+              <a:t>необходимо понять, какие направления более востребованы (лучшие точки приложения усилий: новые мощности или где этого не надо), период планирования: месяц, полгода, год, 3 и 5 лет</a:t>
             </a:r>
           </a:p>
           <a:p>
@@ -8020,7 +8452,36 @@
           <a:bodyPr/>
           <a:lstStyle/>
           <a:p>
-            <a:endParaRPr lang="ru-RU"/>
+            <a:pPr marL="0" indent="0">
+              <a:buNone/>
+            </a:pPr>
+            <a:r>
+              <a:rPr lang="ru-RU" dirty="0"/>
+              <a:t>Эффективной моделью масштабирования являются: </a:t>
+            </a:r>
+          </a:p>
+          <a:p>
+            <a:r>
+              <a:rPr lang="ru-RU" dirty="0"/>
+              <a:t>Глубинная детализация интеграционных процессов «вниз» в регионы и муниципальные образования;</a:t>
+            </a:r>
+          </a:p>
+          <a:p>
+            <a:r>
+              <a:rPr lang="ru-RU" dirty="0"/>
+              <a:t>Укрепление инфраструктуры не только в России, но и в соседних странах и энергосистемах для большей </a:t>
+            </a:r>
+            <a:r>
+              <a:rPr lang="ru-RU" dirty="0" err="1"/>
+              <a:t>энергоэффективности</a:t>
+            </a:r>
+            <a:r>
+              <a:rPr lang="ru-RU" dirty="0"/>
+              <a:t>.</a:t>
+            </a:r>
+          </a:p>
+          <a:p>
+            <a:endParaRPr lang="ru-RU" dirty="0"/>
           </a:p>
         </p:txBody>
       </p:sp>

--- a/DST-OFF-draft_MINENERGO.pptx
+++ b/DST-OFF-draft_MINENERGO.pptx
@@ -307,7 +307,7 @@
           <a:p>
             <a:fld id="{F7AFFB9B-9FB8-469E-96F9-4D32314110B6}" type="datetimeFigureOut">
               <a:rPr lang="en-US" smtClean="0"/>
-              <a:t>11/28/20</a:t>
+              <a:t>11/29/2020</a:t>
             </a:fld>
             <a:endParaRPr lang="en-US" dirty="0"/>
           </a:p>
@@ -583,7 +583,7 @@
           <a:p>
             <a:fld id="{C35BB1C6-BF8F-4481-8AB2-603A1C8A906A}" type="datetimeFigureOut">
               <a:rPr lang="en-US" smtClean="0"/>
-              <a:t>11/28/20</a:t>
+              <a:t>11/29/2020</a:t>
             </a:fld>
             <a:endParaRPr lang="en-US" dirty="0"/>
           </a:p>
@@ -779,7 +779,7 @@
           <a:p>
             <a:fld id="{C35BB1C6-BF8F-4481-8AB2-603A1C8A906A}" type="datetimeFigureOut">
               <a:rPr lang="en-US" smtClean="0"/>
-              <a:t>11/28/20</a:t>
+              <a:t>11/29/2020</a:t>
             </a:fld>
             <a:endParaRPr lang="en-US" dirty="0"/>
           </a:p>
@@ -1054,7 +1054,7 @@
           <a:p>
             <a:fld id="{C35BB1C6-BF8F-4481-8AB2-603A1C8A906A}" type="datetimeFigureOut">
               <a:rPr lang="en-US" smtClean="0"/>
-              <a:t>11/28/20</a:t>
+              <a:t>11/29/2020</a:t>
             </a:fld>
             <a:endParaRPr lang="en-US" dirty="0"/>
           </a:p>
@@ -1397,7 +1397,7 @@
           <a:p>
             <a:fld id="{C35BB1C6-BF8F-4481-8AB2-603A1C8A906A}" type="datetimeFigureOut">
               <a:rPr lang="en-US" smtClean="0"/>
-              <a:t>11/28/20</a:t>
+              <a:t>11/29/2020</a:t>
             </a:fld>
             <a:endParaRPr lang="en-US" dirty="0"/>
           </a:p>
@@ -2022,7 +2022,7 @@
           <a:p>
             <a:fld id="{C35BB1C6-BF8F-4481-8AB2-603A1C8A906A}" type="datetimeFigureOut">
               <a:rPr lang="en-US" smtClean="0"/>
-              <a:t>11/28/20</a:t>
+              <a:t>11/29/2020</a:t>
             </a:fld>
             <a:endParaRPr lang="en-US" dirty="0"/>
           </a:p>
@@ -2884,7 +2884,7 @@
           <a:p>
             <a:fld id="{C35BB1C6-BF8F-4481-8AB2-603A1C8A906A}" type="datetimeFigureOut">
               <a:rPr lang="en-US" smtClean="0"/>
-              <a:t>11/28/20</a:t>
+              <a:t>11/29/2020</a:t>
             </a:fld>
             <a:endParaRPr lang="en-US" dirty="0"/>
           </a:p>
@@ -3056,7 +3056,7 @@
           <a:p>
             <a:fld id="{C35BB1C6-BF8F-4481-8AB2-603A1C8A906A}" type="datetimeFigureOut">
               <a:rPr lang="en-US" smtClean="0"/>
-              <a:t>11/28/20</a:t>
+              <a:t>11/29/2020</a:t>
             </a:fld>
             <a:endParaRPr lang="en-US" dirty="0"/>
           </a:p>
@@ -3238,7 +3238,7 @@
           <a:p>
             <a:fld id="{C35BB1C6-BF8F-4481-8AB2-603A1C8A906A}" type="datetimeFigureOut">
               <a:rPr lang="en-US" smtClean="0"/>
-              <a:t>11/28/20</a:t>
+              <a:t>11/29/2020</a:t>
             </a:fld>
             <a:endParaRPr lang="en-US" dirty="0"/>
           </a:p>
@@ -3625,7 +3625,7 @@
           <a:p>
             <a:fld id="{C35BB1C6-BF8F-4481-8AB2-603A1C8A906A}" type="datetimeFigureOut">
               <a:rPr lang="en-US" smtClean="0"/>
-              <a:t>11/28/20</a:t>
+              <a:t>11/29/2020</a:t>
             </a:fld>
             <a:endParaRPr lang="en-US" dirty="0"/>
           </a:p>
@@ -3802,7 +3802,7 @@
           <a:p>
             <a:fld id="{C35BB1C6-BF8F-4481-8AB2-603A1C8A906A}" type="datetimeFigureOut">
               <a:rPr lang="en-US" smtClean="0"/>
-              <a:t>11/28/20</a:t>
+              <a:t>11/29/2020</a:t>
             </a:fld>
             <a:endParaRPr lang="en-US" dirty="0"/>
           </a:p>
@@ -3974,7 +3974,7 @@
           <a:p>
             <a:fld id="{C35BB1C6-BF8F-4481-8AB2-603A1C8A906A}" type="datetimeFigureOut">
               <a:rPr lang="en-US" smtClean="0"/>
-              <a:t>11/28/20</a:t>
+              <a:t>11/29/2020</a:t>
             </a:fld>
             <a:endParaRPr lang="en-US" dirty="0"/>
           </a:p>
@@ -4223,7 +4223,7 @@
           <a:p>
             <a:fld id="{0F7F47CF-67C9-420C-80A5-E2069FF0C2DF}" type="datetimeFigureOut">
               <a:rPr lang="en-US" smtClean="0"/>
-              <a:t>11/28/20</a:t>
+              <a:t>11/29/2020</a:t>
             </a:fld>
             <a:endParaRPr lang="en-US" dirty="0"/>
           </a:p>
@@ -4515,7 +4515,7 @@
           <a:p>
             <a:fld id="{C35BB1C6-BF8F-4481-8AB2-603A1C8A906A}" type="datetimeFigureOut">
               <a:rPr lang="en-US" smtClean="0"/>
-              <a:t>11/28/20</a:t>
+              <a:t>11/29/2020</a:t>
             </a:fld>
             <a:endParaRPr lang="en-US" dirty="0"/>
           </a:p>
@@ -4961,7 +4961,7 @@
           <a:p>
             <a:fld id="{C35BB1C6-BF8F-4481-8AB2-603A1C8A906A}" type="datetimeFigureOut">
               <a:rPr lang="en-US" smtClean="0"/>
-              <a:t>11/28/20</a:t>
+              <a:t>11/29/2020</a:t>
             </a:fld>
             <a:endParaRPr lang="en-US" dirty="0"/>
           </a:p>
@@ -5081,7 +5081,7 @@
           <a:p>
             <a:fld id="{097649AC-CB8F-4FF1-9A34-5861C74DD0A7}" type="datetimeFigureOut">
               <a:rPr lang="en-US" smtClean="0"/>
-              <a:t>11/28/20</a:t>
+              <a:t>11/29/2020</a:t>
             </a:fld>
             <a:endParaRPr lang="en-US" dirty="0"/>
           </a:p>
@@ -5176,7 +5176,7 @@
           <a:p>
             <a:fld id="{3EC5CECA-2D3A-4680-9B49-752200DE467C}" type="datetimeFigureOut">
               <a:rPr lang="en-US" smtClean="0"/>
-              <a:t>11/28/20</a:t>
+              <a:t>11/29/2020</a:t>
             </a:fld>
             <a:endParaRPr lang="en-US" dirty="0"/>
           </a:p>
@@ -5455,7 +5455,7 @@
           <a:p>
             <a:fld id="{C35BB1C6-BF8F-4481-8AB2-603A1C8A906A}" type="datetimeFigureOut">
               <a:rPr lang="en-US" smtClean="0"/>
-              <a:t>11/28/20</a:t>
+              <a:t>11/29/2020</a:t>
             </a:fld>
             <a:endParaRPr lang="en-US" dirty="0"/>
           </a:p>
@@ -5732,7 +5732,7 @@
           <a:p>
             <a:fld id="{12EF78E3-FDA3-4D28-AAA2-0B81F349A39D}" type="datetimeFigureOut">
               <a:rPr lang="en-US" smtClean="0"/>
-              <a:t>11/28/20</a:t>
+              <a:t>11/29/2020</a:t>
             </a:fld>
             <a:endParaRPr lang="en-US" dirty="0"/>
           </a:p>
@@ -6161,7 +6161,7 @@
           <a:p>
             <a:fld id="{C35BB1C6-BF8F-4481-8AB2-603A1C8A906A}" type="datetimeFigureOut">
               <a:rPr lang="en-US" smtClean="0"/>
-              <a:t>11/28/20</a:t>
+              <a:t>11/29/2020</a:t>
             </a:fld>
             <a:endParaRPr lang="en-US" dirty="0"/>
           </a:p>
@@ -8091,11 +8091,41 @@
           <a:p>
             <a:r>
               <a:rPr lang="ru-RU" dirty="0"/>
-              <a:t>Формулы зависимостей:</a:t>
-            </a:r>
-          </a:p>
-        </p:txBody>
-      </p:sp>
+              <a:t>Зависимости:</a:t>
+            </a:r>
+          </a:p>
+        </p:txBody>
+      </p:sp>
+      <p:pic>
+        <p:nvPicPr>
+          <p:cNvPr id="3" name="Рисунок 2">
+            <a:extLst>
+              <a:ext uri="{FF2B5EF4-FFF2-40B4-BE49-F238E27FC236}">
+                <a16:creationId xmlns:a16="http://schemas.microsoft.com/office/drawing/2014/main" id="{051BDB66-3D09-4292-BBB7-D77EF022B4D9}"/>
+              </a:ext>
+            </a:extLst>
+          </p:cNvPr>
+          <p:cNvPicPr>
+            <a:picLocks noChangeAspect="1"/>
+          </p:cNvPicPr>
+          <p:nvPr/>
+        </p:nvPicPr>
+        <p:blipFill>
+          <a:blip r:embed="rId2"/>
+          <a:stretch>
+            <a:fillRect/>
+          </a:stretch>
+        </p:blipFill>
+        <p:spPr>
+          <a:xfrm>
+            <a:off x="426128" y="1152983"/>
+            <a:ext cx="8052047" cy="5400982"/>
+          </a:xfrm>
+          <a:prstGeom prst="rect">
+            <a:avLst/>
+          </a:prstGeom>
+        </p:spPr>
+      </p:pic>
       <p:pic>
         <p:nvPicPr>
           <p:cNvPr id="4" name="Объект 3">
@@ -8113,14 +8143,14 @@
           </p:nvPr>
         </p:nvPicPr>
         <p:blipFill>
-          <a:blip r:embed="rId2"/>
+          <a:blip r:embed="rId3"/>
           <a:stretch>
             <a:fillRect/>
           </a:stretch>
         </p:blipFill>
         <p:spPr>
           <a:xfrm>
-            <a:off x="8504980" y="4143375"/>
+            <a:off x="8665085" y="4450475"/>
             <a:ext cx="3396230" cy="2407525"/>
           </a:xfrm>
           <a:prstGeom prst="rect">
@@ -8238,13 +8268,8 @@
           <a:p>
             <a:r>
               <a:rPr lang="ru-RU" dirty="0"/>
-              <a:t>3. Снижение потерь в </a:t>
-            </a:r>
-            <a:r>
-              <a:rPr lang="ru-RU"/>
-              <a:t>электросетевом комплексе.</a:t>
-            </a:r>
-            <a:endParaRPr lang="ru-RU" dirty="0"/>
+              <a:t>3. Снижение потерь в электросетевом комплексе.</a:t>
+            </a:r>
           </a:p>
         </p:txBody>
       </p:sp>
@@ -8270,8 +8295,8 @@
         </p:blipFill>
         <p:spPr>
           <a:xfrm>
-            <a:off x="7906214" y="4334504"/>
-            <a:ext cx="4037671" cy="2269104"/>
+            <a:off x="8107659" y="4447712"/>
+            <a:ext cx="3836226" cy="2155895"/>
           </a:xfrm>
           <a:prstGeom prst="rect">
             <a:avLst/>
@@ -8359,13 +8384,13 @@
           <a:p>
             <a:r>
               <a:rPr lang="ru-RU" dirty="0"/>
-              <a:t>оптимизация деятельности ведомств и ремонтных работ;</a:t>
+              <a:t>Оптимизация деятельности ведомств и ремонтных работ;</a:t>
             </a:r>
           </a:p>
           <a:p>
             <a:r>
               <a:rPr lang="ru-RU" dirty="0"/>
-              <a:t>необходимо понять, какие направления более востребованы (лучшие точки приложения усилий: новые мощности или где этого не надо), период планирования: месяц, полгода, год, 3 и 5 лет</a:t>
+              <a:t>Можно понять, какие направления более востребованы (лучшие точки приложения усилий: новые мощности или где этого не надо), период планирования: месяц, полгода, год, 3 и 5 лет</a:t>
             </a:r>
           </a:p>
           <a:p>
@@ -8463,21 +8488,21 @@
           <a:p>
             <a:r>
               <a:rPr lang="ru-RU" dirty="0"/>
-              <a:t>Глубинная детализация интеграционных процессов «вниз» в регионы и муниципальные образования;</a:t>
+              <a:t>Детализация интеграционных процессов «вниз» в регионы и муниципальные образования;</a:t>
             </a:r>
           </a:p>
           <a:p>
             <a:r>
               <a:rPr lang="ru-RU" dirty="0"/>
-              <a:t>Укрепление инфраструктуры не только в России, но и в соседних странах и энергосистемах для большей </a:t>
-            </a:r>
-            <a:r>
-              <a:rPr lang="ru-RU" dirty="0" err="1"/>
-              <a:t>энергоэффективности</a:t>
+              <a:t>Укрепление </a:t>
+            </a:r>
+            <a:r>
+              <a:rPr lang="ru-RU"/>
+              <a:t>инфраструктуры энергосистемах </a:t>
             </a:r>
             <a:r>
               <a:rPr lang="ru-RU" dirty="0"/>
-              <a:t>.</a:t>
+              <a:t>для большей энергоэффективности.</a:t>
             </a:r>
           </a:p>
           <a:p>

--- a/DST-OFF-draft_MINENERGO.pptx
+++ b/DST-OFF-draft_MINENERGO.pptx
@@ -7127,9 +7127,6 @@
             <a:pPr marL="0" indent="0">
               <a:buNone/>
             </a:pPr>
-            <a:br>
-              <a:rPr lang="ru-RU" dirty="0"/>
-            </a:br>
             <a:endParaRPr lang="ru-RU" dirty="0"/>
           </a:p>
           <a:p>
@@ -7141,37 +7138,17 @@
               <a:rPr lang="en-US" dirty="0"/>
               <a:t>Jupiter. </a:t>
             </a:r>
+            <a:endParaRPr lang="ru-RU" dirty="0"/>
+          </a:p>
+          <a:p>
             <a:r>
               <a:rPr lang="ru-RU" dirty="0"/>
               <a:t>Стек: </a:t>
             </a:r>
             <a:r>
               <a:rPr lang="en-US" dirty="0"/>
-              <a:t>python, </a:t>
-            </a:r>
-            <a:endParaRPr lang="ru-RU" dirty="0"/>
-          </a:p>
-          <a:p>
-            <a:pPr marL="0" indent="0">
-              <a:buNone/>
-            </a:pPr>
-            <a:r>
-              <a:rPr lang="ru-RU" dirty="0"/>
-              <a:t>    </a:t>
-            </a:r>
-            <a:r>
-              <a:rPr lang="en-US" dirty="0"/>
-              <a:t>scikit-learn, </a:t>
-            </a:r>
-            <a:r>
-              <a:rPr lang="en-US" dirty="0" err="1"/>
-              <a:t>PyMuPDF</a:t>
-            </a:r>
-            <a:r>
-              <a:rPr lang="en-US" dirty="0"/>
-              <a:t>.</a:t>
-            </a:r>
-            <a:endParaRPr lang="ru-RU" dirty="0"/>
+              <a:t>python, scikit-learn</a:t>
+            </a:r>
           </a:p>
           <a:p>
             <a:pPr marL="0" indent="0">
@@ -7331,8 +7308,9 @@
             <a:r>
               <a:rPr lang="ru-RU" sz="1800" b="1" dirty="0">
                 <a:solidFill>
-                  <a:schemeClr val="tx1">
-                    <a:lumMod val="95000"/>
+                  <a:schemeClr val="bg1">
+                    <a:lumMod val="50000"/>
+                    <a:lumOff val="50000"/>
                   </a:schemeClr>
                 </a:solidFill>
               </a:rPr>
@@ -7342,7 +7320,7 @@
               <a:rPr lang="ru-RU" sz="1800" dirty="0">
                 <a:solidFill>
                   <a:schemeClr val="tx1">
-                    <a:lumMod val="95000"/>
+                    <a:lumMod val="65000"/>
                   </a:schemeClr>
                 </a:solidFill>
               </a:rPr>
@@ -7352,46 +7330,35 @@
               <a:rPr lang="en-US" sz="1800" dirty="0">
                 <a:solidFill>
                   <a:schemeClr val="tx1">
-                    <a:lumMod val="95000"/>
+                    <a:lumMod val="65000"/>
                   </a:schemeClr>
                 </a:solidFill>
+                <a:hlinkClick r:id="rId2"/>
               </a:rPr>
-              <a:t>https://</a:t>
-            </a:r>
-            <a:r>
-              <a:rPr lang="en-US" sz="1800" dirty="0" err="1">
-                <a:solidFill>
-                  <a:schemeClr val="tx1">
-                    <a:lumMod val="95000"/>
-                  </a:schemeClr>
-                </a:solidFill>
-              </a:rPr>
-              <a:t>br.so-ups.ru</a:t>
-            </a:r>
-            <a:r>
-              <a:rPr lang="en-US" sz="1800" dirty="0">
-                <a:solidFill>
-                  <a:schemeClr val="tx1">
-                    <a:lumMod val="95000"/>
-                  </a:schemeClr>
-                </a:solidFill>
-              </a:rPr>
-              <a:t>/BR/</a:t>
-            </a:r>
-            <a:r>
-              <a:rPr lang="en-US" sz="1800" dirty="0" err="1">
-                <a:solidFill>
-                  <a:schemeClr val="tx1">
-                    <a:lumMod val="95000"/>
-                  </a:schemeClr>
-                </a:solidFill>
-              </a:rPr>
-              <a:t>GenConsum</a:t>
+              <a:t>https://br.so-ups.ru/BR/GenConsum</a:t>
             </a:r>
             <a:endParaRPr lang="en-US" sz="1800" dirty="0">
               <a:solidFill>
                 <a:schemeClr val="tx1">
-                  <a:lumMod val="95000"/>
+                  <a:lumMod val="65000"/>
+                </a:schemeClr>
+              </a:solidFill>
+            </a:endParaRPr>
+          </a:p>
+          <a:p>
+            <a:endParaRPr lang="en-US" sz="1800" dirty="0">
+              <a:solidFill>
+                <a:schemeClr val="tx1">
+                  <a:lumMod val="65000"/>
+                </a:schemeClr>
+              </a:solidFill>
+            </a:endParaRPr>
+          </a:p>
+          <a:p>
+            <a:endParaRPr lang="en-US" sz="1800" dirty="0">
+              <a:solidFill>
+                <a:schemeClr val="tx1">
+                  <a:lumMod val="65000"/>
                 </a:schemeClr>
               </a:solidFill>
             </a:endParaRPr>
@@ -7427,7 +7394,7 @@
               <a:rPr lang="ru-RU" sz="1800" dirty="0">
                 <a:solidFill>
                   <a:schemeClr val="tx1">
-                    <a:lumMod val="95000"/>
+                    <a:lumMod val="65000"/>
                   </a:schemeClr>
                 </a:solidFill>
               </a:rPr>
@@ -7437,7 +7404,7 @@
               <a:rPr lang="ru-RU" sz="1800" b="1" dirty="0">
                 <a:solidFill>
                   <a:schemeClr val="tx1">
-                    <a:lumMod val="95000"/>
+                    <a:lumMod val="65000"/>
                   </a:schemeClr>
                 </a:solidFill>
               </a:rPr>
@@ -7447,66 +7414,35 @@
               <a:rPr lang="en-US" sz="1800" dirty="0">
                 <a:solidFill>
                   <a:schemeClr val="tx1">
-                    <a:lumMod val="95000"/>
+                    <a:lumMod val="65000"/>
                   </a:schemeClr>
                 </a:solidFill>
+                <a:hlinkClick r:id="rId3"/>
               </a:rPr>
-              <a:t>https://so-</a:t>
-            </a:r>
-            <a:r>
-              <a:rPr lang="en-US" sz="1800" dirty="0" err="1">
-                <a:solidFill>
-                  <a:schemeClr val="tx1">
-                    <a:lumMod val="95000"/>
-                  </a:schemeClr>
-                </a:solidFill>
-              </a:rPr>
-              <a:t>ups.ru</a:t>
-            </a:r>
-            <a:r>
-              <a:rPr lang="en-US" sz="1800" dirty="0">
-                <a:solidFill>
-                  <a:schemeClr val="tx1">
-                    <a:lumMod val="95000"/>
-                  </a:schemeClr>
-                </a:solidFill>
-              </a:rPr>
-              <a:t>/</a:t>
-            </a:r>
-            <a:r>
-              <a:rPr lang="en-US" sz="1800" dirty="0" err="1">
-                <a:solidFill>
-                  <a:schemeClr val="tx1">
-                    <a:lumMod val="95000"/>
-                  </a:schemeClr>
-                </a:solidFill>
-              </a:rPr>
-              <a:t>index.php?id</a:t>
-            </a:r>
-            <a:r>
-              <a:rPr lang="en-US" sz="1800" dirty="0">
-                <a:solidFill>
-                  <a:schemeClr val="tx1">
-                    <a:lumMod val="95000"/>
-                  </a:schemeClr>
-                </a:solidFill>
-              </a:rPr>
-              <a:t>=</a:t>
-            </a:r>
-            <a:r>
-              <a:rPr lang="en-US" sz="1800" dirty="0" err="1">
-                <a:solidFill>
-                  <a:schemeClr val="tx1">
-                    <a:lumMod val="95000"/>
-                  </a:schemeClr>
-                </a:solidFill>
-              </a:rPr>
-              <a:t>ees_temperature</a:t>
+              <a:t>https://so-ups.ru/index.php?id=ees_temperature</a:t>
             </a:r>
             <a:endParaRPr lang="en-US" sz="1800" dirty="0">
               <a:solidFill>
                 <a:schemeClr val="tx1">
-                  <a:lumMod val="95000"/>
+                  <a:lumMod val="65000"/>
+                </a:schemeClr>
+              </a:solidFill>
+            </a:endParaRPr>
+          </a:p>
+          <a:p>
+            <a:endParaRPr lang="en-US" sz="1800" dirty="0">
+              <a:solidFill>
+                <a:schemeClr val="tx1">
+                  <a:lumMod val="65000"/>
+                </a:schemeClr>
+              </a:solidFill>
+            </a:endParaRPr>
+          </a:p>
+          <a:p>
+            <a:endParaRPr lang="en-US" sz="1800" dirty="0">
+              <a:solidFill>
+                <a:schemeClr val="tx1">
+                  <a:lumMod val="65000"/>
                 </a:schemeClr>
               </a:solidFill>
             </a:endParaRPr>
@@ -7530,7 +7466,7 @@
               <a:rPr lang="ru-RU" sz="1800" b="1" dirty="0">
                 <a:solidFill>
                   <a:schemeClr val="tx1">
-                    <a:lumMod val="95000"/>
+                    <a:lumMod val="65000"/>
                   </a:schemeClr>
                 </a:solidFill>
               </a:rPr>
@@ -7540,212 +7476,30 @@
               <a:rPr lang="en-US" sz="1800" dirty="0">
                 <a:solidFill>
                   <a:schemeClr val="tx1">
-                    <a:lumMod val="95000"/>
+                    <a:lumMod val="65000"/>
                   </a:schemeClr>
                 </a:solidFill>
+                <a:hlinkClick r:id="rId4"/>
               </a:rPr>
-              <a:t>https://</a:t>
-            </a:r>
-            <a:r>
-              <a:rPr lang="en-US" sz="1800" dirty="0" err="1">
-                <a:solidFill>
-                  <a:schemeClr val="tx1">
-                    <a:lumMod val="95000"/>
-                  </a:schemeClr>
-                </a:solidFill>
-              </a:rPr>
-              <a:t>rosstat.gov.ru</a:t>
-            </a:r>
-            <a:r>
-              <a:rPr lang="en-US" sz="1800" dirty="0">
-                <a:solidFill>
-                  <a:schemeClr val="tx1">
-                    <a:lumMod val="95000"/>
-                  </a:schemeClr>
-                </a:solidFill>
-              </a:rPr>
-              <a:t>/folder/11109/document/13259</a:t>
-            </a:r>
+              <a:t>https://rosstat.gov.ru/folder/11109/document/13259</a:t>
+            </a:r>
+            <a:endParaRPr lang="en-US" sz="1800" dirty="0">
+              <a:solidFill>
+                <a:schemeClr val="tx1">
+                  <a:lumMod val="65000"/>
+                </a:schemeClr>
+              </a:solidFill>
+            </a:endParaRPr>
           </a:p>
           <a:p>
             <a:pPr marL="514350" indent="-514350">
               <a:buFont typeface="Arial" panose="020B0604020202020204" pitchFamily="34" charset="0"/>
               <a:buChar char="•"/>
             </a:pPr>
-            <a:r>
-              <a:rPr lang="ru-RU" b="1" dirty="0">
-                <a:solidFill>
-                  <a:schemeClr val="tx1">
-                    <a:lumMod val="95000"/>
-                  </a:schemeClr>
-                </a:solidFill>
-              </a:rPr>
-              <a:t>Росстат | Краткосрочные экономические показатели Российской Федерации </a:t>
-            </a:r>
-          </a:p>
-          <a:p>
-            <a:r>
-              <a:rPr lang="ru-RU" b="1" dirty="0">
-                <a:solidFill>
-                  <a:schemeClr val="tx1">
-                    <a:lumMod val="95000"/>
-                  </a:schemeClr>
-                </a:solidFill>
-              </a:rPr>
-              <a:t>	</a:t>
-            </a:r>
-            <a:r>
-              <a:rPr lang="ru-RU" sz="1800" b="1" dirty="0">
-                <a:solidFill>
-                  <a:schemeClr val="tx1">
-                    <a:lumMod val="95000"/>
-                  </a:schemeClr>
-                </a:solidFill>
-              </a:rPr>
-              <a:t>- </a:t>
-            </a:r>
-            <a:r>
-              <a:rPr lang="en-US" sz="1800" dirty="0">
-                <a:solidFill>
-                  <a:schemeClr val="tx1">
-                    <a:lumMod val="95000"/>
-                  </a:schemeClr>
-                </a:solidFill>
-              </a:rPr>
-              <a:t>https://</a:t>
-            </a:r>
-            <a:r>
-              <a:rPr lang="en-US" sz="1800" dirty="0" err="1">
-                <a:solidFill>
-                  <a:schemeClr val="tx1">
-                    <a:lumMod val="95000"/>
-                  </a:schemeClr>
-                </a:solidFill>
-              </a:rPr>
-              <a:t>rosstat.gov.ru</a:t>
-            </a:r>
-            <a:r>
-              <a:rPr lang="en-US" sz="1800" dirty="0">
-                <a:solidFill>
-                  <a:schemeClr val="tx1">
-                    <a:lumMod val="95000"/>
-                  </a:schemeClr>
-                </a:solidFill>
-              </a:rPr>
-              <a:t>/compendium/document/50802</a:t>
-            </a:r>
-          </a:p>
-          <a:p>
-            <a:pPr marL="514350" indent="-514350">
-              <a:buFont typeface="Arial" panose="020B0604020202020204" pitchFamily="34" charset="0"/>
-              <a:buChar char="•"/>
-            </a:pPr>
-            <a:r>
-              <a:rPr lang="ru-RU" b="1" dirty="0" err="1">
-                <a:solidFill>
-                  <a:schemeClr val="tx1">
-                    <a:lumMod val="95000"/>
-                  </a:schemeClr>
-                </a:solidFill>
-              </a:rPr>
-              <a:t>СберИндекс</a:t>
-            </a:r>
-            <a:r>
-              <a:rPr lang="ru-RU" b="1" dirty="0">
-                <a:solidFill>
-                  <a:schemeClr val="tx1">
-                    <a:lumMod val="95000"/>
-                  </a:schemeClr>
-                </a:solidFill>
-              </a:rPr>
-              <a:t> | Индекс потребительской активности </a:t>
-            </a:r>
-          </a:p>
-          <a:p>
-            <a:r>
-              <a:rPr lang="ru-RU" b="1" dirty="0">
-                <a:solidFill>
-                  <a:schemeClr val="tx1">
-                    <a:lumMod val="95000"/>
-                  </a:schemeClr>
-                </a:solidFill>
-              </a:rPr>
-              <a:t>	</a:t>
-            </a:r>
-            <a:r>
-              <a:rPr lang="ru-RU" sz="1800" b="1" dirty="0">
-                <a:solidFill>
-                  <a:schemeClr val="tx1">
-                    <a:lumMod val="95000"/>
-                  </a:schemeClr>
-                </a:solidFill>
-              </a:rPr>
-              <a:t>- </a:t>
-            </a:r>
-            <a:r>
-              <a:rPr lang="en-US" sz="1800" dirty="0">
-                <a:solidFill>
-                  <a:schemeClr val="tx1">
-                    <a:lumMod val="95000"/>
-                  </a:schemeClr>
-                </a:solidFill>
-              </a:rPr>
-              <a:t>https://</a:t>
-            </a:r>
-            <a:r>
-              <a:rPr lang="en-US" sz="1800" dirty="0" err="1">
-                <a:solidFill>
-                  <a:schemeClr val="tx1">
-                    <a:lumMod val="95000"/>
-                  </a:schemeClr>
-                </a:solidFill>
-              </a:rPr>
-              <a:t>www.sberindex.ru</a:t>
-            </a:r>
-            <a:r>
-              <a:rPr lang="en-US" sz="1800" dirty="0">
-                <a:solidFill>
-                  <a:schemeClr val="tx1">
-                    <a:lumMod val="95000"/>
-                  </a:schemeClr>
-                </a:solidFill>
-              </a:rPr>
-              <a:t>/</a:t>
-            </a:r>
-            <a:r>
-              <a:rPr lang="en-US" sz="1800" dirty="0" err="1">
-                <a:solidFill>
-                  <a:schemeClr val="tx1">
-                    <a:lumMod val="95000"/>
-                  </a:schemeClr>
-                </a:solidFill>
-              </a:rPr>
-              <a:t>ru</a:t>
-            </a:r>
-            <a:r>
-              <a:rPr lang="en-US" sz="1800" dirty="0">
-                <a:solidFill>
-                  <a:schemeClr val="tx1">
-                    <a:lumMod val="95000"/>
-                  </a:schemeClr>
-                </a:solidFill>
-              </a:rPr>
-              <a:t>/dashboards/</a:t>
-            </a:r>
-            <a:r>
-              <a:rPr lang="en-US" sz="1800" dirty="0" err="1">
-                <a:solidFill>
-                  <a:schemeClr val="tx1">
-                    <a:lumMod val="95000"/>
-                  </a:schemeClr>
-                </a:solidFill>
-              </a:rPr>
-              <a:t>indeks-potrebitelskoi-aktivnosti</a:t>
-            </a:r>
             <a:endParaRPr lang="en-US" sz="1800" dirty="0">
               <a:solidFill>
                 <a:schemeClr val="tx1">
-                  <a:lumMod val="95000"/>
+                  <a:lumMod val="65000"/>
                 </a:schemeClr>
               </a:solidFill>
             </a:endParaRPr>
@@ -7804,12 +7558,44 @@
         </p:blipFill>
         <p:spPr>
           <a:xfrm>
-            <a:off x="1331157" y="265807"/>
-            <a:ext cx="8118145" cy="6449318"/>
+            <a:off x="1610686" y="-294982"/>
+            <a:ext cx="8070209" cy="7152982"/>
           </a:xfrm>
           <a:prstGeom prst="rect">
             <a:avLst/>
           </a:prstGeom>
+          <a:solidFill>
+            <a:srgbClr val="FFFFFF">
+              <a:shade val="85000"/>
+            </a:srgbClr>
+          </a:solidFill>
+          <a:ln w="101600" cap="sq">
+            <a:solidFill>
+              <a:srgbClr val="FDFDFD"/>
+            </a:solidFill>
+            <a:miter lim="800000"/>
+          </a:ln>
+          <a:effectLst>
+            <a:outerShdw blurRad="57150" dist="37500" dir="7560000" sy="98000" kx="110000" ky="200000" algn="tl" rotWithShape="0">
+              <a:srgbClr val="000000">
+                <a:alpha val="20000"/>
+              </a:srgbClr>
+            </a:outerShdw>
+          </a:effectLst>
+          <a:scene3d>
+            <a:camera prst="perspectiveRelaxed">
+              <a:rot lat="18960000" lon="0" rev="0"/>
+            </a:camera>
+            <a:lightRig rig="twoPt" dir="t">
+              <a:rot lat="0" lon="0" rev="7200000"/>
+            </a:lightRig>
+          </a:scene3d>
+          <a:sp3d prstMaterial="matte">
+            <a:bevelT w="22860" h="12700"/>
+            <a:contourClr>
+              <a:srgbClr val="FFFFFF"/>
+            </a:contourClr>
+          </a:sp3d>
         </p:spPr>
       </p:pic>
     </p:spTree>
@@ -7865,7 +7651,7 @@
           <a:p>
             <a:r>
               <a:rPr lang="ru-RU" dirty="0"/>
-              <a:t>Список показателей:</a:t>
+              <a:t>Список проанализированных показателей:</a:t>
             </a:r>
           </a:p>
         </p:txBody>
@@ -7894,7 +7680,7 @@
         </p:spPr>
         <p:txBody>
           <a:bodyPr>
-            <a:normAutofit lnSpcReduction="10000"/>
+            <a:normAutofit/>
           </a:bodyPr>
           <a:lstStyle/>
           <a:p>
@@ -7903,10 +7689,10 @@
               <a:buChar char="•"/>
             </a:pPr>
             <a:r>
-              <a:rPr lang="ru-RU" sz="2400" dirty="0"/>
+              <a:rPr lang="ru-RU" sz="3200" dirty="0"/>
               <a:t>индекс промышленного производства</a:t>
             </a:r>
-            <a:endParaRPr lang="en-US" sz="2400" dirty="0"/>
+            <a:endParaRPr lang="en-US" sz="3200" dirty="0"/>
           </a:p>
           <a:p>
             <a:pPr>
@@ -7914,10 +7700,10 @@
               <a:buChar char="•"/>
             </a:pPr>
             <a:r>
-              <a:rPr lang="ru-RU" sz="2400" dirty="0"/>
-              <a:t>отгрузка товаров</a:t>
-            </a:r>
-            <a:endParaRPr lang="en-US" sz="2400" dirty="0"/>
+              <a:rPr lang="ru-RU" sz="3200" dirty="0"/>
+              <a:t>объем строительных работ</a:t>
+            </a:r>
+            <a:endParaRPr lang="en-US" sz="3200" dirty="0"/>
           </a:p>
           <a:p>
             <a:pPr>
@@ -7925,79 +7711,23 @@
               <a:buChar char="•"/>
             </a:pPr>
             <a:r>
-              <a:rPr lang="ru-RU" sz="2400" dirty="0"/>
-              <a:t>производство электроэнергии</a:t>
-            </a:r>
-            <a:endParaRPr lang="en-US" sz="2400" dirty="0"/>
-          </a:p>
-          <a:p>
-            <a:pPr>
-              <a:buFont typeface="Arial" panose="020B0604020202020204" pitchFamily="34" charset="0"/>
-              <a:buChar char="•"/>
+              <a:rPr lang="ru-RU" sz="3200" dirty="0"/>
+              <a:t>отгрузка товаров</a:t>
+            </a:r>
+            <a:endParaRPr lang="en-US" sz="3200" dirty="0"/>
+          </a:p>
+          <a:p>
+            <a:pPr marL="0" indent="0">
+              <a:buNone/>
             </a:pPr>
-            <a:r>
-              <a:rPr lang="ru-RU" sz="2400" dirty="0"/>
-              <a:t>объем работ выполненных по ВЭД Строительство</a:t>
-            </a:r>
-            <a:endParaRPr lang="en-US" sz="2400" dirty="0"/>
-          </a:p>
-          <a:p>
-            <a:pPr>
-              <a:buFont typeface="Arial" panose="020B0604020202020204" pitchFamily="34" charset="0"/>
-              <a:buChar char="•"/>
-            </a:pPr>
-            <a:r>
-              <a:rPr lang="ru-RU" sz="2400" dirty="0"/>
-              <a:t>оборот розничной торговли</a:t>
-            </a:r>
-            <a:endParaRPr lang="en-US" sz="2400" dirty="0"/>
-          </a:p>
-          <a:p>
-            <a:pPr>
-              <a:buFont typeface="Arial" panose="020B0604020202020204" pitchFamily="34" charset="0"/>
-              <a:buChar char="•"/>
-            </a:pPr>
-            <a:r>
-              <a:rPr lang="ru-RU" sz="2400" dirty="0"/>
-              <a:t>цены на товары и услуги</a:t>
-            </a:r>
-            <a:endParaRPr lang="en-US" sz="2400" dirty="0"/>
-          </a:p>
-          <a:p>
-            <a:pPr>
-              <a:buFont typeface="Arial" panose="020B0604020202020204" pitchFamily="34" charset="0"/>
-              <a:buChar char="•"/>
-            </a:pPr>
-            <a:r>
-              <a:rPr lang="ru-RU" sz="2400" dirty="0"/>
-              <a:t>фиксированный набор</a:t>
-            </a:r>
-            <a:endParaRPr lang="en-US" sz="2400" dirty="0"/>
-          </a:p>
-          <a:p>
-            <a:pPr>
-              <a:buFont typeface="Arial" panose="020B0604020202020204" pitchFamily="34" charset="0"/>
-              <a:buChar char="•"/>
-            </a:pPr>
-            <a:r>
-              <a:rPr lang="ru-RU" sz="2400" dirty="0"/>
-              <a:t>среднемесячная заработная плата</a:t>
-            </a:r>
-            <a:endParaRPr lang="en-US" sz="2400" dirty="0"/>
-          </a:p>
-          <a:p>
-            <a:pPr>
-              <a:buFont typeface="Arial" panose="020B0604020202020204" pitchFamily="34" charset="0"/>
-              <a:buChar char="•"/>
-            </a:pPr>
-            <a:endParaRPr lang="ru-RU" sz="2400" dirty="0"/>
+            <a:endParaRPr lang="ru-RU" sz="3200" dirty="0"/>
           </a:p>
           <a:p>
             <a:pPr marL="457200" indent="-457200">
               <a:buFont typeface="+mj-lt"/>
               <a:buAutoNum type="arabicPeriod"/>
             </a:pPr>
-            <a:endParaRPr lang="ru-RU" sz="2400" dirty="0">
+            <a:endParaRPr lang="ru-RU" sz="3200" dirty="0">
               <a:solidFill>
                 <a:schemeClr val="tx1">
                   <a:lumMod val="65000"/>
@@ -8098,36 +7828,6 @@
       </p:sp>
       <p:pic>
         <p:nvPicPr>
-          <p:cNvPr id="3" name="Рисунок 2">
-            <a:extLst>
-              <a:ext uri="{FF2B5EF4-FFF2-40B4-BE49-F238E27FC236}">
-                <a16:creationId xmlns:a16="http://schemas.microsoft.com/office/drawing/2014/main" id="{051BDB66-3D09-4292-BBB7-D77EF022B4D9}"/>
-              </a:ext>
-            </a:extLst>
-          </p:cNvPr>
-          <p:cNvPicPr>
-            <a:picLocks noChangeAspect="1"/>
-          </p:cNvPicPr>
-          <p:nvPr/>
-        </p:nvPicPr>
-        <p:blipFill>
-          <a:blip r:embed="rId2"/>
-          <a:stretch>
-            <a:fillRect/>
-          </a:stretch>
-        </p:blipFill>
-        <p:spPr>
-          <a:xfrm>
-            <a:off x="426128" y="1152983"/>
-            <a:ext cx="8052047" cy="5400982"/>
-          </a:xfrm>
-          <a:prstGeom prst="rect">
-            <a:avLst/>
-          </a:prstGeom>
-        </p:spPr>
-      </p:pic>
-      <p:pic>
-        <p:nvPicPr>
           <p:cNvPr id="4" name="Объект 3">
             <a:extLst>
               <a:ext uri="{FF2B5EF4-FFF2-40B4-BE49-F238E27FC236}">
@@ -8143,19 +7843,171 @@
           </p:nvPr>
         </p:nvPicPr>
         <p:blipFill>
-          <a:blip r:embed="rId3"/>
+          <a:blip r:embed="rId2"/>
           <a:stretch>
             <a:fillRect/>
           </a:stretch>
         </p:blipFill>
         <p:spPr>
           <a:xfrm>
-            <a:off x="8665085" y="4450475"/>
+            <a:off x="0" y="4450475"/>
             <a:ext cx="3396230" cy="2407525"/>
           </a:xfrm>
           <a:prstGeom prst="rect">
             <a:avLst/>
           </a:prstGeom>
+        </p:spPr>
+      </p:pic>
+      <p:pic>
+        <p:nvPicPr>
+          <p:cNvPr id="1028" name="Picture 4">
+            <a:extLst>
+              <a:ext uri="{FF2B5EF4-FFF2-40B4-BE49-F238E27FC236}">
+                <a16:creationId xmlns:a16="http://schemas.microsoft.com/office/drawing/2014/main" id="{403A786D-E56C-4D5C-9DAC-3B38F128C58B}"/>
+              </a:ext>
+            </a:extLst>
+          </p:cNvPr>
+          <p:cNvPicPr>
+            <a:picLocks noChangeAspect="1" noChangeArrowheads="1"/>
+          </p:cNvPicPr>
+          <p:nvPr/>
+        </p:nvPicPr>
+        <p:blipFill>
+          <a:blip r:embed="rId3">
+            <a:extLst>
+              <a:ext uri="{28A0092B-C50C-407E-A947-70E740481C1C}">
+                <a14:useLocalDpi xmlns:a14="http://schemas.microsoft.com/office/drawing/2010/main" val="0"/>
+              </a:ext>
+            </a:extLst>
+          </a:blip>
+          <a:srcRect/>
+          <a:stretch>
+            <a:fillRect/>
+          </a:stretch>
+        </p:blipFill>
+        <p:spPr bwMode="auto">
+          <a:xfrm>
+            <a:off x="435117" y="1326264"/>
+            <a:ext cx="9081746" cy="3298230"/>
+          </a:xfrm>
+          <a:prstGeom prst="rect">
+            <a:avLst/>
+          </a:prstGeom>
+          <a:solidFill>
+            <a:srgbClr val="FFFFFF">
+              <a:shade val="85000"/>
+            </a:srgbClr>
+          </a:solidFill>
+          <a:ln w="88900" cap="sq">
+            <a:solidFill>
+              <a:srgbClr val="FFFFFF"/>
+            </a:solidFill>
+            <a:miter lim="800000"/>
+          </a:ln>
+          <a:effectLst>
+            <a:outerShdw blurRad="55000" dist="18000" dir="5400000" algn="tl" rotWithShape="0">
+              <a:srgbClr val="000000">
+                <a:alpha val="40000"/>
+              </a:srgbClr>
+            </a:outerShdw>
+          </a:effectLst>
+          <a:scene3d>
+            <a:camera prst="orthographicFront"/>
+            <a:lightRig rig="twoPt" dir="t">
+              <a:rot lat="0" lon="0" rev="7200000"/>
+            </a:lightRig>
+          </a:scene3d>
+          <a:sp3d>
+            <a:bevelT w="25400" h="19050"/>
+            <a:contourClr>
+              <a:srgbClr val="FFFFFF"/>
+            </a:contourClr>
+          </a:sp3d>
+          <a:extLst>
+            <a:ext uri="{909E8E84-426E-40DD-AFC4-6F175D3DCCD1}">
+              <a14:hiddenFill xmlns:a14="http://schemas.microsoft.com/office/drawing/2010/main">
+                <a:solidFill>
+                  <a:srgbClr val="FFFFFF"/>
+                </a:solidFill>
+              </a14:hiddenFill>
+            </a:ext>
+          </a:extLst>
+        </p:spPr>
+      </p:pic>
+      <p:pic>
+        <p:nvPicPr>
+          <p:cNvPr id="1026" name="Picture 2">
+            <a:extLst>
+              <a:ext uri="{FF2B5EF4-FFF2-40B4-BE49-F238E27FC236}">
+                <a16:creationId xmlns:a16="http://schemas.microsoft.com/office/drawing/2014/main" id="{ED5E5946-9ABE-416E-B2D5-039FA314CB15}"/>
+              </a:ext>
+            </a:extLst>
+          </p:cNvPr>
+          <p:cNvPicPr>
+            <a:picLocks noChangeAspect="1" noChangeArrowheads="1"/>
+          </p:cNvPicPr>
+          <p:nvPr/>
+        </p:nvPicPr>
+        <p:blipFill>
+          <a:blip r:embed="rId4">
+            <a:extLst>
+              <a:ext uri="{28A0092B-C50C-407E-A947-70E740481C1C}">
+                <a14:useLocalDpi xmlns:a14="http://schemas.microsoft.com/office/drawing/2010/main" val="0"/>
+              </a:ext>
+            </a:extLst>
+          </a:blip>
+          <a:srcRect/>
+          <a:stretch>
+            <a:fillRect/>
+          </a:stretch>
+        </p:blipFill>
+        <p:spPr bwMode="auto">
+          <a:xfrm>
+            <a:off x="7714695" y="2600549"/>
+            <a:ext cx="4042188" cy="4047890"/>
+          </a:xfrm>
+          <a:prstGeom prst="rect">
+            <a:avLst/>
+          </a:prstGeom>
+          <a:solidFill>
+            <a:srgbClr val="FFFFFF">
+              <a:shade val="85000"/>
+            </a:srgbClr>
+          </a:solidFill>
+          <a:ln w="88900" cap="sq">
+            <a:solidFill>
+              <a:srgbClr val="FFFFFF"/>
+            </a:solidFill>
+            <a:miter lim="800000"/>
+          </a:ln>
+          <a:effectLst>
+            <a:outerShdw blurRad="55000" dist="18000" dir="5400000" algn="tl" rotWithShape="0">
+              <a:srgbClr val="000000">
+                <a:alpha val="40000"/>
+              </a:srgbClr>
+            </a:outerShdw>
+          </a:effectLst>
+          <a:scene3d>
+            <a:camera prst="orthographicFront"/>
+            <a:lightRig rig="twoPt" dir="t">
+              <a:rot lat="0" lon="0" rev="7200000"/>
+            </a:lightRig>
+          </a:scene3d>
+          <a:sp3d>
+            <a:bevelT w="25400" h="19050"/>
+            <a:contourClr>
+              <a:srgbClr val="FFFFFF"/>
+            </a:contourClr>
+          </a:sp3d>
+          <a:extLst>
+            <a:ext uri="{909E8E84-426E-40DD-AFC4-6F175D3DCCD1}">
+              <a14:hiddenFill xmlns:a14="http://schemas.microsoft.com/office/drawing/2010/main">
+                <a:solidFill>
+                  <a:srgbClr val="FFFFFF"/>
+                </a:solidFill>
+              </a14:hiddenFill>
+            </a:ext>
+          </a:extLst>
         </p:spPr>
       </p:pic>
     </p:spTree>
@@ -8211,7 +8063,7 @@
           <a:p>
             <a:r>
               <a:rPr lang="ru-RU" dirty="0"/>
-              <a:t>Модель-система</a:t>
+              <a:t>Сложности при построении модели</a:t>
             </a:r>
           </a:p>
         </p:txBody>
@@ -8232,9 +8084,16 @@
             <p:ph sz="quarter" idx="13"/>
           </p:nvPr>
         </p:nvSpPr>
-        <p:spPr/>
-        <p:txBody>
-          <a:bodyPr/>
+        <p:spPr>
+          <a:xfrm>
+            <a:off x="587388" y="2106035"/>
+            <a:ext cx="10363826" cy="3424107"/>
+          </a:xfrm>
+        </p:spPr>
+        <p:txBody>
+          <a:bodyPr>
+            <a:normAutofit/>
+          </a:bodyPr>
           <a:lstStyle/>
           <a:p>
             <a:pPr marL="0" indent="0">
@@ -8244,6 +8103,12 @@
               <a:rPr lang="ru-RU" dirty="0"/>
               <a:t>Сложность прогнозирования экономических показателей от динамики потребления электроэнергии связана со следующими обстоятельствами:</a:t>
             </a:r>
+          </a:p>
+          <a:p>
+            <a:pPr marL="0" indent="0">
+              <a:buNone/>
+            </a:pPr>
+            <a:endParaRPr lang="ru-RU" dirty="0"/>
           </a:p>
           <a:p>
             <a:r>
@@ -8295,8 +8160,8 @@
         </p:blipFill>
         <p:spPr>
           <a:xfrm>
-            <a:off x="8107659" y="4447712"/>
-            <a:ext cx="3836226" cy="2155895"/>
+            <a:off x="8649049" y="4751965"/>
+            <a:ext cx="3294835" cy="1851642"/>
           </a:xfrm>
           <a:prstGeom prst="rect">
             <a:avLst/>
@@ -8377,24 +8242,31 @@
             <p:ph sz="quarter" idx="13"/>
           </p:nvPr>
         </p:nvSpPr>
-        <p:spPr/>
-        <p:txBody>
-          <a:bodyPr/>
-          <a:lstStyle/>
-          <a:p>
-            <a:r>
-              <a:rPr lang="ru-RU" dirty="0"/>
-              <a:t>Оптимизация деятельности ведомств и ремонтных работ;</a:t>
-            </a:r>
-          </a:p>
-          <a:p>
-            <a:r>
-              <a:rPr lang="ru-RU" dirty="0"/>
-              <a:t>Можно понять, какие направления более востребованы (лучшие точки приложения усилий: новые мощности или где этого не надо), период планирования: месяц, полгода, год, 3 и 5 лет</a:t>
-            </a:r>
-          </a:p>
-          <a:p>
-            <a:endParaRPr lang="ru-RU" dirty="0"/>
+        <p:spPr>
+          <a:xfrm>
+            <a:off x="913774" y="2147582"/>
+            <a:ext cx="10363826" cy="3643617"/>
+          </a:xfrm>
+        </p:spPr>
+        <p:txBody>
+          <a:bodyPr>
+            <a:normAutofit/>
+          </a:bodyPr>
+          <a:lstStyle/>
+          <a:p>
+            <a:r>
+              <a:rPr lang="ru-RU" sz="2800" dirty="0"/>
+              <a:t>Оптимизация планирования инвестиционной деятельности, новых генерирующих мощностей, развития сетевой инфраструктуры</a:t>
+            </a:r>
+          </a:p>
+          <a:p>
+            <a:endParaRPr lang="ru-RU" sz="2800" dirty="0"/>
+          </a:p>
+          <a:p>
+            <a:r>
+              <a:rPr lang="ru-RU" sz="2800" dirty="0"/>
+              <a:t>Можно выявлять проблемы в экономике регионов в режиме онлайн, не дожидаясь завершения отчетного периода и формирования отчетности</a:t>
+            </a:r>
           </a:p>
         </p:txBody>
       </p:sp>
@@ -8474,39 +8346,39 @@
         </p:nvSpPr>
         <p:spPr/>
         <p:txBody>
-          <a:bodyPr/>
+          <a:bodyPr>
+            <a:normAutofit/>
+          </a:bodyPr>
           <a:lstStyle/>
           <a:p>
             <a:pPr marL="0" indent="0">
               <a:buNone/>
             </a:pPr>
             <a:r>
-              <a:rPr lang="ru-RU" dirty="0"/>
-              <a:t>Эффективной моделью масштабирования являются: </a:t>
-            </a:r>
-          </a:p>
-          <a:p>
-            <a:r>
-              <a:rPr lang="ru-RU" dirty="0"/>
-              <a:t>Детализация интеграционных процессов «вниз» в регионы и муниципальные образования;</a:t>
-            </a:r>
-          </a:p>
-          <a:p>
-            <a:r>
-              <a:rPr lang="ru-RU" dirty="0"/>
-              <a:t>Укрепление </a:t>
-            </a:r>
-            <a:r>
-              <a:rPr lang="ru-RU"/>
-              <a:t>инфраструктуры энергосистемах </a:t>
-            </a:r>
-            <a:r>
-              <a:rPr lang="ru-RU" dirty="0"/>
-              <a:t>для большей энергоэффективности.</a:t>
-            </a:r>
-          </a:p>
-          <a:p>
-            <a:endParaRPr lang="ru-RU" dirty="0"/>
+              <a:rPr lang="ru-RU" sz="2800" dirty="0"/>
+              <a:t>Эффективной моделью масштабирования являются:</a:t>
+            </a:r>
+          </a:p>
+          <a:p>
+            <a:pPr marL="0" indent="0">
+              <a:buNone/>
+            </a:pPr>
+            <a:endParaRPr lang="ru-RU" sz="2800" dirty="0"/>
+          </a:p>
+          <a:p>
+            <a:r>
+              <a:rPr lang="ru-RU" sz="2800" dirty="0"/>
+              <a:t>Детализация прогнозирования «вниз» в регионы и муниципальные образования</a:t>
+            </a:r>
+          </a:p>
+          <a:p>
+            <a:r>
+              <a:rPr lang="ru-RU" sz="2800" dirty="0"/>
+              <a:t>Прогнозирование на уровне Российской Федерации и наднациональных образований</a:t>
+            </a:r>
+          </a:p>
+          <a:p>
+            <a:endParaRPr lang="ru-RU" sz="2800" dirty="0"/>
           </a:p>
         </p:txBody>
       </p:sp>
